--- a/balls.pptx
+++ b/balls.pptx
@@ -6,6 +6,7 @@
   </p:sldMasterIdLst>
   <p:sldIdLst>
     <p:sldId id="256" r:id="rId2"/>
+    <p:sldId id="257" r:id="rId3"/>
   </p:sldIdLst>
   <p:sldSz cx="12192000" cy="6858000"/>
   <p:notesSz cx="6858000" cy="9144000"/>
@@ -104,6 +105,11 @@
       </a:defRPr>
     </a:lvl9pPr>
   </p:defaultTextStyle>
+  <p:extLst>
+    <p:ext uri="{EFAFB233-063F-42B5-8137-9DF3F51BA10A}">
+      <p15:sldGuideLst xmlns:p15="http://schemas.microsoft.com/office/powerpoint/2012/main"/>
+    </p:ext>
+  </p:extLst>
 </p:presentation>
 </file>
 
@@ -3371,8 +3377,8 @@
           </a:p>
         </p:txBody>
       </p:sp>
-      <mc:AlternateContent xmlns:mc="http://schemas.openxmlformats.org/markup-compatibility/2006">
-        <mc:Choice xmlns:a14="http://schemas.microsoft.com/office/drawing/2010/main" Requires="a14">
+      <mc:AlternateContent xmlns:mc="http://schemas.openxmlformats.org/markup-compatibility/2006" xmlns:a14="http://schemas.microsoft.com/office/drawing/2010/main">
+        <mc:Choice Requires="a14">
           <p:sp>
             <p:nvSpPr>
               <p:cNvPr id="4" name="타원 3">
@@ -3433,7 +3439,7 @@
             </p:txBody>
           </p:sp>
         </mc:Choice>
-        <mc:Fallback>
+        <mc:Fallback xmlns="">
           <p:sp>
             <p:nvSpPr>
               <p:cNvPr id="4" name="타원 3">
@@ -3478,8 +3484,8 @@
           </p:sp>
         </mc:Fallback>
       </mc:AlternateContent>
-      <mc:AlternateContent xmlns:mc="http://schemas.openxmlformats.org/markup-compatibility/2006">
-        <mc:Choice xmlns:a14="http://schemas.microsoft.com/office/drawing/2010/main" Requires="a14">
+      <mc:AlternateContent xmlns:mc="http://schemas.openxmlformats.org/markup-compatibility/2006" xmlns:a14="http://schemas.microsoft.com/office/drawing/2010/main">
+        <mc:Choice Requires="a14">
           <p:sp>
             <p:nvSpPr>
               <p:cNvPr id="7" name="타원 6">
@@ -3563,7 +3569,7 @@
             </p:txBody>
           </p:sp>
         </mc:Choice>
-        <mc:Fallback>
+        <mc:Fallback xmlns="">
           <p:sp>
             <p:nvSpPr>
               <p:cNvPr id="7" name="타원 6">
@@ -3608,8 +3614,8 @@
           </p:sp>
         </mc:Fallback>
       </mc:AlternateContent>
-      <mc:AlternateContent xmlns:mc="http://schemas.openxmlformats.org/markup-compatibility/2006">
-        <mc:Choice xmlns:a14="http://schemas.microsoft.com/office/drawing/2010/main" Requires="a14">
+      <mc:AlternateContent xmlns:mc="http://schemas.openxmlformats.org/markup-compatibility/2006" xmlns:a14="http://schemas.microsoft.com/office/drawing/2010/main">
+        <mc:Choice Requires="a14">
           <p:sp>
             <p:nvSpPr>
               <p:cNvPr id="8" name="타원 7">
@@ -3695,7 +3701,7 @@
             </p:txBody>
           </p:sp>
         </mc:Choice>
-        <mc:Fallback>
+        <mc:Fallback xmlns="">
           <p:sp>
             <p:nvSpPr>
               <p:cNvPr id="8" name="타원 7">
@@ -3832,8 +3838,8 @@
           </a:fontRef>
         </p:style>
       </p:cxnSp>
-      <mc:AlternateContent xmlns:mc="http://schemas.openxmlformats.org/markup-compatibility/2006">
-        <mc:Choice xmlns:a14="http://schemas.microsoft.com/office/drawing/2010/main" Requires="a14">
+      <mc:AlternateContent xmlns:mc="http://schemas.openxmlformats.org/markup-compatibility/2006" xmlns:a14="http://schemas.microsoft.com/office/drawing/2010/main">
+        <mc:Choice Requires="a14">
           <p:sp>
             <p:nvSpPr>
               <p:cNvPr id="18" name="TextBox 17">
@@ -3862,6 +3868,7 @@
               </a:bodyPr>
               <a:lstStyle/>
               <a:p>
+                <a:pPr/>
                 <a14:m>
                   <m:oMathPara xmlns:m="http://schemas.openxmlformats.org/officeDocument/2006/math">
                     <m:oMathParaPr>
@@ -3882,7 +3889,7 @@
             </p:txBody>
           </p:sp>
         </mc:Choice>
-        <mc:Fallback>
+        <mc:Fallback xmlns="">
           <p:sp>
             <p:nvSpPr>
               <p:cNvPr id="18" name="TextBox 17">
@@ -3927,8 +3934,8 @@
           </p:sp>
         </mc:Fallback>
       </mc:AlternateContent>
-      <mc:AlternateContent xmlns:mc="http://schemas.openxmlformats.org/markup-compatibility/2006">
-        <mc:Choice xmlns:a14="http://schemas.microsoft.com/office/drawing/2010/main" Requires="a14">
+      <mc:AlternateContent xmlns:mc="http://schemas.openxmlformats.org/markup-compatibility/2006" xmlns:a14="http://schemas.microsoft.com/office/drawing/2010/main">
+        <mc:Choice Requires="a14">
           <p:sp>
             <p:nvSpPr>
               <p:cNvPr id="19" name="TextBox 18">
@@ -3957,6 +3964,7 @@
               </a:bodyPr>
               <a:lstStyle/>
               <a:p>
+                <a:pPr/>
                 <a14:m>
                   <m:oMathPara xmlns:m="http://schemas.openxmlformats.org/officeDocument/2006/math">
                     <m:oMathParaPr>
@@ -3977,7 +3985,7 @@
             </p:txBody>
           </p:sp>
         </mc:Choice>
-        <mc:Fallback>
+        <mc:Fallback xmlns="">
           <p:sp>
             <p:nvSpPr>
               <p:cNvPr id="19" name="TextBox 18">
@@ -4072,8 +4080,8 @@
           </a:p>
         </p:txBody>
       </p:sp>
-      <mc:AlternateContent xmlns:mc="http://schemas.openxmlformats.org/markup-compatibility/2006">
-        <mc:Choice xmlns:a14="http://schemas.microsoft.com/office/drawing/2010/main" Requires="a14">
+      <mc:AlternateContent xmlns:mc="http://schemas.openxmlformats.org/markup-compatibility/2006" xmlns:a14="http://schemas.microsoft.com/office/drawing/2010/main">
+        <mc:Choice Requires="a14">
           <p:sp>
             <p:nvSpPr>
               <p:cNvPr id="23" name="타원 22">
@@ -4134,7 +4142,7 @@
             </p:txBody>
           </p:sp>
         </mc:Choice>
-        <mc:Fallback>
+        <mc:Fallback xmlns="">
           <p:sp>
             <p:nvSpPr>
               <p:cNvPr id="23" name="타원 22">
@@ -4179,8 +4187,8 @@
           </p:sp>
         </mc:Fallback>
       </mc:AlternateContent>
-      <mc:AlternateContent xmlns:mc="http://schemas.openxmlformats.org/markup-compatibility/2006">
-        <mc:Choice xmlns:a14="http://schemas.microsoft.com/office/drawing/2010/main" Requires="a14">
+      <mc:AlternateContent xmlns:mc="http://schemas.openxmlformats.org/markup-compatibility/2006" xmlns:a14="http://schemas.microsoft.com/office/drawing/2010/main">
+        <mc:Choice Requires="a14">
           <p:sp>
             <p:nvSpPr>
               <p:cNvPr id="24" name="타원 23">
@@ -4264,7 +4272,7 @@
             </p:txBody>
           </p:sp>
         </mc:Choice>
-        <mc:Fallback>
+        <mc:Fallback xmlns="">
           <p:sp>
             <p:nvSpPr>
               <p:cNvPr id="24" name="타원 23">
@@ -4309,8 +4317,8 @@
           </p:sp>
         </mc:Fallback>
       </mc:AlternateContent>
-      <mc:AlternateContent xmlns:mc="http://schemas.openxmlformats.org/markup-compatibility/2006">
-        <mc:Choice xmlns:a14="http://schemas.microsoft.com/office/drawing/2010/main" Requires="a14">
+      <mc:AlternateContent xmlns:mc="http://schemas.openxmlformats.org/markup-compatibility/2006" xmlns:a14="http://schemas.microsoft.com/office/drawing/2010/main">
+        <mc:Choice Requires="a14">
           <p:sp>
             <p:nvSpPr>
               <p:cNvPr id="25" name="타원 24">
@@ -4396,7 +4404,7 @@
             </p:txBody>
           </p:sp>
         </mc:Choice>
-        <mc:Fallback>
+        <mc:Fallback xmlns="">
           <p:sp>
             <p:nvSpPr>
               <p:cNvPr id="25" name="타원 24">
@@ -4533,8 +4541,8 @@
           </a:fontRef>
         </p:style>
       </p:cxnSp>
-      <mc:AlternateContent xmlns:mc="http://schemas.openxmlformats.org/markup-compatibility/2006">
-        <mc:Choice xmlns:a14="http://schemas.microsoft.com/office/drawing/2010/main" Requires="a14">
+      <mc:AlternateContent xmlns:mc="http://schemas.openxmlformats.org/markup-compatibility/2006" xmlns:a14="http://schemas.microsoft.com/office/drawing/2010/main">
+        <mc:Choice Requires="a14">
           <p:sp>
             <p:nvSpPr>
               <p:cNvPr id="28" name="TextBox 27">
@@ -4563,6 +4571,7 @@
               </a:bodyPr>
               <a:lstStyle/>
               <a:p>
+                <a:pPr/>
                 <a14:m>
                   <m:oMathPara xmlns:m="http://schemas.openxmlformats.org/officeDocument/2006/math">
                     <m:oMathParaPr>
@@ -4583,7 +4592,7 @@
             </p:txBody>
           </p:sp>
         </mc:Choice>
-        <mc:Fallback>
+        <mc:Fallback xmlns="">
           <p:sp>
             <p:nvSpPr>
               <p:cNvPr id="28" name="TextBox 27">
@@ -4628,8 +4637,8 @@
           </p:sp>
         </mc:Fallback>
       </mc:AlternateContent>
-      <mc:AlternateContent xmlns:mc="http://schemas.openxmlformats.org/markup-compatibility/2006">
-        <mc:Choice xmlns:a14="http://schemas.microsoft.com/office/drawing/2010/main" Requires="a14">
+      <mc:AlternateContent xmlns:mc="http://schemas.openxmlformats.org/markup-compatibility/2006" xmlns:a14="http://schemas.microsoft.com/office/drawing/2010/main">
+        <mc:Choice Requires="a14">
           <p:sp>
             <p:nvSpPr>
               <p:cNvPr id="29" name="TextBox 28">
@@ -4658,6 +4667,7 @@
               </a:bodyPr>
               <a:lstStyle/>
               <a:p>
+                <a:pPr/>
                 <a14:m>
                   <m:oMathPara xmlns:m="http://schemas.openxmlformats.org/officeDocument/2006/math">
                     <m:oMathParaPr>
@@ -4678,7 +4688,7 @@
             </p:txBody>
           </p:sp>
         </mc:Choice>
-        <mc:Fallback>
+        <mc:Fallback xmlns="">
           <p:sp>
             <p:nvSpPr>
               <p:cNvPr id="29" name="TextBox 28">
@@ -4723,8 +4733,8 @@
           </p:sp>
         </mc:Fallback>
       </mc:AlternateContent>
-      <mc:AlternateContent xmlns:mc="http://schemas.openxmlformats.org/markup-compatibility/2006">
-        <mc:Choice xmlns:a14="http://schemas.microsoft.com/office/drawing/2010/main" Requires="a14">
+      <mc:AlternateContent xmlns:mc="http://schemas.openxmlformats.org/markup-compatibility/2006" xmlns:a14="http://schemas.microsoft.com/office/drawing/2010/main">
+        <mc:Choice Requires="a14">
           <p:sp>
             <p:nvSpPr>
               <p:cNvPr id="32" name="타원 31">
@@ -4785,7 +4795,7 @@
             </p:txBody>
           </p:sp>
         </mc:Choice>
-        <mc:Fallback>
+        <mc:Fallback xmlns="">
           <p:sp>
             <p:nvSpPr>
               <p:cNvPr id="32" name="타원 31">
@@ -4876,8 +4886,8 @@
           </a:fontRef>
         </p:style>
       </p:cxnSp>
-      <mc:AlternateContent xmlns:mc="http://schemas.openxmlformats.org/markup-compatibility/2006">
-        <mc:Choice xmlns:a14="http://schemas.microsoft.com/office/drawing/2010/main" Requires="a14">
+      <mc:AlternateContent xmlns:mc="http://schemas.openxmlformats.org/markup-compatibility/2006" xmlns:a14="http://schemas.microsoft.com/office/drawing/2010/main">
+        <mc:Choice Requires="a14">
           <p:sp>
             <p:nvSpPr>
               <p:cNvPr id="38" name="TextBox 37">
@@ -4906,6 +4916,7 @@
               </a:bodyPr>
               <a:lstStyle/>
               <a:p>
+                <a:pPr/>
                 <a14:m>
                   <m:oMathPara xmlns:m="http://schemas.openxmlformats.org/officeDocument/2006/math">
                     <m:oMathParaPr>
@@ -4926,7 +4937,7 @@
             </p:txBody>
           </p:sp>
         </mc:Choice>
-        <mc:Fallback>
+        <mc:Fallback xmlns="">
           <p:sp>
             <p:nvSpPr>
               <p:cNvPr id="38" name="TextBox 37">
@@ -5100,8 +5111,8 @@
           </a:p>
         </p:txBody>
       </p:sp>
-      <mc:AlternateContent xmlns:mc="http://schemas.openxmlformats.org/markup-compatibility/2006">
-        <mc:Choice xmlns:a14="http://schemas.microsoft.com/office/drawing/2010/main" Requires="a14">
+      <mc:AlternateContent xmlns:mc="http://schemas.openxmlformats.org/markup-compatibility/2006" xmlns:a14="http://schemas.microsoft.com/office/drawing/2010/main">
+        <mc:Choice Requires="a14">
           <p:sp>
             <p:nvSpPr>
               <p:cNvPr id="47" name="타원 46">
@@ -5162,7 +5173,7 @@
             </p:txBody>
           </p:sp>
         </mc:Choice>
-        <mc:Fallback>
+        <mc:Fallback xmlns="">
           <p:sp>
             <p:nvSpPr>
               <p:cNvPr id="47" name="타원 46">
@@ -5207,8 +5218,8 @@
           </p:sp>
         </mc:Fallback>
       </mc:AlternateContent>
-      <mc:AlternateContent xmlns:mc="http://schemas.openxmlformats.org/markup-compatibility/2006">
-        <mc:Choice xmlns:a14="http://schemas.microsoft.com/office/drawing/2010/main" Requires="a14">
+      <mc:AlternateContent xmlns:mc="http://schemas.openxmlformats.org/markup-compatibility/2006" xmlns:a14="http://schemas.microsoft.com/office/drawing/2010/main">
+        <mc:Choice Requires="a14">
           <p:sp>
             <p:nvSpPr>
               <p:cNvPr id="48" name="타원 47">
@@ -5292,7 +5303,7 @@
             </p:txBody>
           </p:sp>
         </mc:Choice>
-        <mc:Fallback>
+        <mc:Fallback xmlns="">
           <p:sp>
             <p:nvSpPr>
               <p:cNvPr id="48" name="타원 47">
@@ -5337,8 +5348,8 @@
           </p:sp>
         </mc:Fallback>
       </mc:AlternateContent>
-      <mc:AlternateContent xmlns:mc="http://schemas.openxmlformats.org/markup-compatibility/2006">
-        <mc:Choice xmlns:a14="http://schemas.microsoft.com/office/drawing/2010/main" Requires="a14">
+      <mc:AlternateContent xmlns:mc="http://schemas.openxmlformats.org/markup-compatibility/2006" xmlns:a14="http://schemas.microsoft.com/office/drawing/2010/main">
+        <mc:Choice Requires="a14">
           <p:sp>
             <p:nvSpPr>
               <p:cNvPr id="49" name="타원 48">
@@ -5424,7 +5435,7 @@
             </p:txBody>
           </p:sp>
         </mc:Choice>
-        <mc:Fallback>
+        <mc:Fallback xmlns="">
           <p:sp>
             <p:nvSpPr>
               <p:cNvPr id="49" name="타원 48">
@@ -5561,8 +5572,8 @@
           </a:fontRef>
         </p:style>
       </p:cxnSp>
-      <mc:AlternateContent xmlns:mc="http://schemas.openxmlformats.org/markup-compatibility/2006">
-        <mc:Choice xmlns:a14="http://schemas.microsoft.com/office/drawing/2010/main" Requires="a14">
+      <mc:AlternateContent xmlns:mc="http://schemas.openxmlformats.org/markup-compatibility/2006" xmlns:a14="http://schemas.microsoft.com/office/drawing/2010/main">
+        <mc:Choice Requires="a14">
           <p:sp>
             <p:nvSpPr>
               <p:cNvPr id="52" name="TextBox 51">
@@ -5591,6 +5602,7 @@
               </a:bodyPr>
               <a:lstStyle/>
               <a:p>
+                <a:pPr/>
                 <a14:m>
                   <m:oMathPara xmlns:m="http://schemas.openxmlformats.org/officeDocument/2006/math">
                     <m:oMathParaPr>
@@ -5611,7 +5623,7 @@
             </p:txBody>
           </p:sp>
         </mc:Choice>
-        <mc:Fallback>
+        <mc:Fallback xmlns="">
           <p:sp>
             <p:nvSpPr>
               <p:cNvPr id="52" name="TextBox 51">
@@ -5656,8 +5668,8 @@
           </p:sp>
         </mc:Fallback>
       </mc:AlternateContent>
-      <mc:AlternateContent xmlns:mc="http://schemas.openxmlformats.org/markup-compatibility/2006">
-        <mc:Choice xmlns:a14="http://schemas.microsoft.com/office/drawing/2010/main" Requires="a14">
+      <mc:AlternateContent xmlns:mc="http://schemas.openxmlformats.org/markup-compatibility/2006" xmlns:a14="http://schemas.microsoft.com/office/drawing/2010/main">
+        <mc:Choice Requires="a14">
           <p:sp>
             <p:nvSpPr>
               <p:cNvPr id="53" name="TextBox 52">
@@ -5686,6 +5698,7 @@
               </a:bodyPr>
               <a:lstStyle/>
               <a:p>
+                <a:pPr/>
                 <a14:m>
                   <m:oMathPara xmlns:m="http://schemas.openxmlformats.org/officeDocument/2006/math">
                     <m:oMathParaPr>
@@ -5706,7 +5719,7 @@
             </p:txBody>
           </p:sp>
         </mc:Choice>
-        <mc:Fallback>
+        <mc:Fallback xmlns="">
           <p:sp>
             <p:nvSpPr>
               <p:cNvPr id="53" name="TextBox 52">
@@ -5751,8 +5764,8 @@
           </p:sp>
         </mc:Fallback>
       </mc:AlternateContent>
-      <mc:AlternateContent xmlns:mc="http://schemas.openxmlformats.org/markup-compatibility/2006">
-        <mc:Choice xmlns:a14="http://schemas.microsoft.com/office/drawing/2010/main" Requires="a14">
+      <mc:AlternateContent xmlns:mc="http://schemas.openxmlformats.org/markup-compatibility/2006" xmlns:a14="http://schemas.microsoft.com/office/drawing/2010/main">
+        <mc:Choice Requires="a14">
           <p:sp>
             <p:nvSpPr>
               <p:cNvPr id="54" name="타원 53">
@@ -5813,7 +5826,7 @@
             </p:txBody>
           </p:sp>
         </mc:Choice>
-        <mc:Fallback>
+        <mc:Fallback xmlns="">
           <p:sp>
             <p:nvSpPr>
               <p:cNvPr id="54" name="타원 53">
@@ -5904,8 +5917,8 @@
           </a:fontRef>
         </p:style>
       </p:cxnSp>
-      <mc:AlternateContent xmlns:mc="http://schemas.openxmlformats.org/markup-compatibility/2006">
-        <mc:Choice xmlns:a14="http://schemas.microsoft.com/office/drawing/2010/main" Requires="a14">
+      <mc:AlternateContent xmlns:mc="http://schemas.openxmlformats.org/markup-compatibility/2006" xmlns:a14="http://schemas.microsoft.com/office/drawing/2010/main">
+        <mc:Choice Requires="a14">
           <p:sp>
             <p:nvSpPr>
               <p:cNvPr id="56" name="TextBox 55">
@@ -5934,6 +5947,7 @@
               </a:bodyPr>
               <a:lstStyle/>
               <a:p>
+                <a:pPr/>
                 <a14:m>
                   <m:oMathPara xmlns:m="http://schemas.openxmlformats.org/officeDocument/2006/math">
                     <m:oMathParaPr>
@@ -5954,7 +5968,7 @@
             </p:txBody>
           </p:sp>
         </mc:Choice>
-        <mc:Fallback>
+        <mc:Fallback xmlns="">
           <p:sp>
             <p:nvSpPr>
               <p:cNvPr id="56" name="TextBox 55">
@@ -6083,8 +6097,8 @@
           </a:fontRef>
         </p:style>
       </p:cxnSp>
-      <mc:AlternateContent xmlns:mc="http://schemas.openxmlformats.org/markup-compatibility/2006">
-        <mc:Choice xmlns:a14="http://schemas.microsoft.com/office/drawing/2010/main" Requires="a14">
+      <mc:AlternateContent xmlns:mc="http://schemas.openxmlformats.org/markup-compatibility/2006" xmlns:a14="http://schemas.microsoft.com/office/drawing/2010/main">
+        <mc:Choice Requires="a14">
           <p:sp>
             <p:nvSpPr>
               <p:cNvPr id="59" name="TextBox 58">
@@ -6113,6 +6127,7 @@
               </a:bodyPr>
               <a:lstStyle/>
               <a:p>
+                <a:pPr/>
                 <a14:m>
                   <m:oMathPara xmlns:m="http://schemas.openxmlformats.org/officeDocument/2006/math">
                     <m:oMathParaPr>
@@ -6133,7 +6148,7 @@
             </p:txBody>
           </p:sp>
         </mc:Choice>
-        <mc:Fallback>
+        <mc:Fallback xmlns="">
           <p:sp>
             <p:nvSpPr>
               <p:cNvPr id="59" name="TextBox 58">
@@ -6360,8 +6375,8 @@
           </a:p>
         </p:txBody>
       </p:sp>
-      <mc:AlternateContent xmlns:mc="http://schemas.openxmlformats.org/markup-compatibility/2006">
-        <mc:Choice xmlns:a14="http://schemas.microsoft.com/office/drawing/2010/main" Requires="a14">
+      <mc:AlternateContent xmlns:mc="http://schemas.openxmlformats.org/markup-compatibility/2006" xmlns:a14="http://schemas.microsoft.com/office/drawing/2010/main">
+        <mc:Choice Requires="a14">
           <p:sp>
             <p:nvSpPr>
               <p:cNvPr id="71" name="TextBox 70">
@@ -6390,6 +6405,7 @@
               </a:bodyPr>
               <a:lstStyle/>
               <a:p>
+                <a:pPr/>
                 <a14:m>
                   <m:oMathPara xmlns:m="http://schemas.openxmlformats.org/officeDocument/2006/math">
                     <m:oMathParaPr>
@@ -6434,7 +6450,7 @@
             </p:txBody>
           </p:sp>
         </mc:Choice>
-        <mc:Fallback>
+        <mc:Fallback xmlns="">
           <p:sp>
             <p:nvSpPr>
               <p:cNvPr id="71" name="TextBox 70">
@@ -6479,8 +6495,8 @@
           </p:sp>
         </mc:Fallback>
       </mc:AlternateContent>
-      <mc:AlternateContent xmlns:mc="http://schemas.openxmlformats.org/markup-compatibility/2006">
-        <mc:Choice xmlns:a14="http://schemas.microsoft.com/office/drawing/2010/main" Requires="a14">
+      <mc:AlternateContent xmlns:mc="http://schemas.openxmlformats.org/markup-compatibility/2006" xmlns:a14="http://schemas.microsoft.com/office/drawing/2010/main">
+        <mc:Choice Requires="a14">
           <p:sp>
             <p:nvSpPr>
               <p:cNvPr id="72" name="TextBox 71">
@@ -6509,6 +6525,7 @@
               </a:bodyPr>
               <a:lstStyle/>
               <a:p>
+                <a:pPr/>
                 <a14:m>
                   <m:oMathPara xmlns:m="http://schemas.openxmlformats.org/officeDocument/2006/math">
                     <m:oMathParaPr>
@@ -6553,7 +6570,7 @@
             </p:txBody>
           </p:sp>
         </mc:Choice>
-        <mc:Fallback>
+        <mc:Fallback xmlns="">
           <p:sp>
             <p:nvSpPr>
               <p:cNvPr id="72" name="TextBox 71">
@@ -6598,8 +6615,8 @@
           </p:sp>
         </mc:Fallback>
       </mc:AlternateContent>
-      <mc:AlternateContent xmlns:mc="http://schemas.openxmlformats.org/markup-compatibility/2006">
-        <mc:Choice xmlns:a14="http://schemas.microsoft.com/office/drawing/2010/main" Requires="a14">
+      <mc:AlternateContent xmlns:mc="http://schemas.openxmlformats.org/markup-compatibility/2006" xmlns:a14="http://schemas.microsoft.com/office/drawing/2010/main">
+        <mc:Choice Requires="a14">
           <p:sp>
             <p:nvSpPr>
               <p:cNvPr id="73" name="TextBox 72">
@@ -6628,6 +6645,7 @@
               </a:bodyPr>
               <a:lstStyle/>
               <a:p>
+                <a:pPr/>
                 <a14:m>
                   <m:oMathPara xmlns:m="http://schemas.openxmlformats.org/officeDocument/2006/math">
                     <m:oMathParaPr>
@@ -6672,7 +6690,7 @@
             </p:txBody>
           </p:sp>
         </mc:Choice>
-        <mc:Fallback>
+        <mc:Fallback xmlns="">
           <p:sp>
             <p:nvSpPr>
               <p:cNvPr id="73" name="TextBox 72">
@@ -6721,6 +6739,3360 @@
     <p:extLst>
       <p:ext uri="{BB962C8B-B14F-4D97-AF65-F5344CB8AC3E}">
         <p14:creationId xmlns:p14="http://schemas.microsoft.com/office/powerpoint/2010/main" val="3690291732"/>
+      </p:ext>
+    </p:extLst>
+  </p:cSld>
+  <p:clrMapOvr>
+    <a:masterClrMapping/>
+  </p:clrMapOvr>
+</p:sld>
+</file>
+
+<file path=ppt/slides/slide2.xml><?xml version="1.0" encoding="utf-8"?>
+<p:sld xmlns:a="http://schemas.openxmlformats.org/drawingml/2006/main" xmlns:r="http://schemas.openxmlformats.org/officeDocument/2006/relationships" xmlns:p="http://schemas.openxmlformats.org/presentationml/2006/main">
+  <p:cSld>
+    <p:spTree>
+      <p:nvGrpSpPr>
+        <p:cNvPr id="1" name=""/>
+        <p:cNvGrpSpPr/>
+        <p:nvPr/>
+      </p:nvGrpSpPr>
+      <p:grpSpPr>
+        <a:xfrm>
+          <a:off x="0" y="0"/>
+          <a:ext cx="0" cy="0"/>
+          <a:chOff x="0" y="0"/>
+          <a:chExt cx="0" cy="0"/>
+        </a:xfrm>
+      </p:grpSpPr>
+      <p:sp>
+        <p:nvSpPr>
+          <p:cNvPr id="15" name="사각형: 둥근 모서리 14">
+            <a:extLst>
+              <a:ext uri="{FF2B5EF4-FFF2-40B4-BE49-F238E27FC236}">
+                <a16:creationId xmlns:a16="http://schemas.microsoft.com/office/drawing/2014/main" id="{FC27A0DD-F5E3-4B43-AB63-FCFD98D37D6D}"/>
+              </a:ext>
+            </a:extLst>
+          </p:cNvPr>
+          <p:cNvSpPr/>
+          <p:nvPr/>
+        </p:nvSpPr>
+        <p:spPr>
+          <a:xfrm>
+            <a:off x="9027499" y="165968"/>
+            <a:ext cx="1269496" cy="3025917"/>
+          </a:xfrm>
+          <a:prstGeom prst="roundRect">
+            <a:avLst/>
+          </a:prstGeom>
+          <a:noFill/>
+          <a:ln w="38100">
+            <a:prstDash val="sysDash"/>
+          </a:ln>
+        </p:spPr>
+        <p:style>
+          <a:lnRef idx="2">
+            <a:schemeClr val="accent1">
+              <a:shade val="50000"/>
+            </a:schemeClr>
+          </a:lnRef>
+          <a:fillRef idx="1">
+            <a:schemeClr val="accent1"/>
+          </a:fillRef>
+          <a:effectRef idx="0">
+            <a:schemeClr val="accent1"/>
+          </a:effectRef>
+          <a:fontRef idx="minor">
+            <a:schemeClr val="lt1"/>
+          </a:fontRef>
+        </p:style>
+        <p:txBody>
+          <a:bodyPr rtlCol="0" anchor="ctr"/>
+          <a:lstStyle/>
+          <a:p>
+            <a:pPr algn="ctr"/>
+            <a:endParaRPr lang="ko-KR" altLang="en-US"/>
+          </a:p>
+        </p:txBody>
+      </p:sp>
+      <mc:AlternateContent xmlns:mc="http://schemas.openxmlformats.org/markup-compatibility/2006" xmlns:a14="http://schemas.microsoft.com/office/drawing/2010/main">
+        <mc:Choice Requires="a14">
+          <p:sp>
+            <p:nvSpPr>
+              <p:cNvPr id="4" name="타원 3">
+                <a:extLst>
+                  <a:ext uri="{FF2B5EF4-FFF2-40B4-BE49-F238E27FC236}">
+                    <a16:creationId xmlns:a16="http://schemas.microsoft.com/office/drawing/2014/main" id="{1D043A46-F64E-41B7-84FA-F752D051659A}"/>
+                  </a:ext>
+                </a:extLst>
+              </p:cNvPr>
+              <p:cNvSpPr/>
+              <p:nvPr/>
+            </p:nvSpPr>
+            <p:spPr>
+              <a:xfrm>
+                <a:off x="7125508" y="688133"/>
+                <a:ext cx="717755" cy="717755"/>
+              </a:xfrm>
+              <a:prstGeom prst="ellipse">
+                <a:avLst/>
+              </a:prstGeom>
+            </p:spPr>
+            <p:style>
+              <a:lnRef idx="2">
+                <a:schemeClr val="accent1">
+                  <a:shade val="50000"/>
+                </a:schemeClr>
+              </a:lnRef>
+              <a:fillRef idx="1">
+                <a:schemeClr val="accent1"/>
+              </a:fillRef>
+              <a:effectRef idx="0">
+                <a:schemeClr val="accent1"/>
+              </a:effectRef>
+              <a:fontRef idx="minor">
+                <a:schemeClr val="lt1"/>
+              </a:fontRef>
+            </p:style>
+            <p:txBody>
+              <a:bodyPr rtlCol="0" anchor="ctr"/>
+              <a:lstStyle/>
+              <a:p>
+                <a:pPr algn="ctr"/>
+                <a14:m>
+                  <m:oMath xmlns:m="http://schemas.openxmlformats.org/officeDocument/2006/math">
+                    <m:r>
+                      <a:rPr lang="en-US" altLang="ko-KR" i="1" dirty="0" smtClean="0">
+                        <a:latin typeface="Cambria Math" panose="02040503050406030204" pitchFamily="18" charset="0"/>
+                      </a:rPr>
+                      <m:t>𝑋</m:t>
+                    </m:r>
+                  </m:oMath>
+                </a14:m>
+                <a:r>
+                  <a:rPr lang="ko-KR" altLang="en-US" dirty="0"/>
+                  <a:t> </a:t>
+                </a:r>
+              </a:p>
+            </p:txBody>
+          </p:sp>
+        </mc:Choice>
+        <mc:Fallback xmlns="">
+          <p:sp>
+            <p:nvSpPr>
+              <p:cNvPr id="4" name="타원 3">
+                <a:extLst>
+                  <a:ext uri="{FF2B5EF4-FFF2-40B4-BE49-F238E27FC236}">
+                    <a16:creationId xmlns:a16="http://schemas.microsoft.com/office/drawing/2014/main" id="{1D043A46-F64E-41B7-84FA-F752D051659A}"/>
+                  </a:ext>
+                </a:extLst>
+              </p:cNvPr>
+              <p:cNvSpPr>
+                <a:spLocks noRot="1" noChangeAspect="1" noMove="1" noResize="1" noEditPoints="1" noAdjustHandles="1" noChangeArrowheads="1" noChangeShapeType="1" noTextEdit="1"/>
+              </p:cNvSpPr>
+              <p:nvPr/>
+            </p:nvSpPr>
+            <p:spPr>
+              <a:xfrm>
+                <a:off x="7125508" y="688133"/>
+                <a:ext cx="717755" cy="717755"/>
+              </a:xfrm>
+              <a:prstGeom prst="ellipse">
+                <a:avLst/>
+              </a:prstGeom>
+              <a:blipFill>
+                <a:blip r:embed="rId2"/>
+                <a:stretch>
+                  <a:fillRect/>
+                </a:stretch>
+              </a:blipFill>
+            </p:spPr>
+            <p:txBody>
+              <a:bodyPr/>
+              <a:lstStyle/>
+              <a:p>
+                <a:r>
+                  <a:rPr lang="ko-KR" altLang="en-US">
+                    <a:noFill/>
+                  </a:rPr>
+                  <a:t> </a:t>
+                </a:r>
+              </a:p>
+            </p:txBody>
+          </p:sp>
+        </mc:Fallback>
+      </mc:AlternateContent>
+      <mc:AlternateContent xmlns:mc="http://schemas.openxmlformats.org/markup-compatibility/2006" xmlns:a14="http://schemas.microsoft.com/office/drawing/2010/main">
+        <mc:Choice Requires="a14">
+          <p:sp>
+            <p:nvSpPr>
+              <p:cNvPr id="7" name="타원 6">
+                <a:extLst>
+                  <a:ext uri="{FF2B5EF4-FFF2-40B4-BE49-F238E27FC236}">
+                    <a16:creationId xmlns:a16="http://schemas.microsoft.com/office/drawing/2014/main" id="{DF6D07C0-2552-49BA-A93D-A0C9247B851C}"/>
+                  </a:ext>
+                </a:extLst>
+              </p:cNvPr>
+              <p:cNvSpPr/>
+              <p:nvPr/>
+            </p:nvSpPr>
+            <p:spPr>
+              <a:xfrm>
+                <a:off x="9316033" y="700424"/>
+                <a:ext cx="717755" cy="717755"/>
+              </a:xfrm>
+              <a:prstGeom prst="ellipse">
+                <a:avLst/>
+              </a:prstGeom>
+            </p:spPr>
+            <p:style>
+              <a:lnRef idx="2">
+                <a:schemeClr val="accent1">
+                  <a:shade val="50000"/>
+                </a:schemeClr>
+              </a:lnRef>
+              <a:fillRef idx="1">
+                <a:schemeClr val="accent1"/>
+              </a:fillRef>
+              <a:effectRef idx="0">
+                <a:schemeClr val="accent1"/>
+              </a:effectRef>
+              <a:fontRef idx="minor">
+                <a:schemeClr val="lt1"/>
+              </a:fontRef>
+            </p:style>
+            <p:txBody>
+              <a:bodyPr rtlCol="0" anchor="ctr"/>
+              <a:lstStyle/>
+              <a:p>
+                <a:pPr algn="ctr"/>
+                <a:r>
+                  <a:rPr lang="en-US" altLang="ko-KR" b="0" dirty="0"/>
+                  <a:t> </a:t>
+                </a:r>
+                <a14:m>
+                  <m:oMath xmlns:m="http://schemas.openxmlformats.org/officeDocument/2006/math">
+                    <m:sSub>
+                      <m:sSubPr>
+                        <m:ctrlPr>
+                          <a:rPr lang="en-US" altLang="ko-KR" b="0" i="1" smtClean="0">
+                            <a:latin typeface="Cambria Math" panose="02040503050406030204" pitchFamily="18" charset="0"/>
+                          </a:rPr>
+                        </m:ctrlPr>
+                      </m:sSubPr>
+                      <m:e>
+                        <m:r>
+                          <a:rPr lang="en-US" altLang="ko-KR" b="0" i="1" smtClean="0">
+                            <a:latin typeface="Cambria Math" panose="02040503050406030204" pitchFamily="18" charset="0"/>
+                          </a:rPr>
+                          <m:t>𝑌</m:t>
+                        </m:r>
+                      </m:e>
+                      <m:sub>
+                        <m:r>
+                          <a:rPr lang="en-US" altLang="ko-KR" b="0" i="1" smtClean="0">
+                            <a:latin typeface="Cambria Math" panose="02040503050406030204" pitchFamily="18" charset="0"/>
+                          </a:rPr>
+                          <m:t>𝑡</m:t>
+                        </m:r>
+                      </m:sub>
+                    </m:sSub>
+                  </m:oMath>
+                </a14:m>
+                <a:r>
+                  <a:rPr lang="ko-KR" altLang="en-US" dirty="0"/>
+                  <a:t> </a:t>
+                </a:r>
+              </a:p>
+            </p:txBody>
+          </p:sp>
+        </mc:Choice>
+        <mc:Fallback xmlns="">
+          <p:sp>
+            <p:nvSpPr>
+              <p:cNvPr id="7" name="타원 6">
+                <a:extLst>
+                  <a:ext uri="{FF2B5EF4-FFF2-40B4-BE49-F238E27FC236}">
+                    <a16:creationId xmlns:a16="http://schemas.microsoft.com/office/drawing/2014/main" id="{DF6D07C0-2552-49BA-A93D-A0C9247B851C}"/>
+                  </a:ext>
+                </a:extLst>
+              </p:cNvPr>
+              <p:cNvSpPr>
+                <a:spLocks noRot="1" noChangeAspect="1" noMove="1" noResize="1" noEditPoints="1" noAdjustHandles="1" noChangeArrowheads="1" noChangeShapeType="1" noTextEdit="1"/>
+              </p:cNvSpPr>
+              <p:nvPr/>
+            </p:nvSpPr>
+            <p:spPr>
+              <a:xfrm>
+                <a:off x="9316033" y="700424"/>
+                <a:ext cx="717755" cy="717755"/>
+              </a:xfrm>
+              <a:prstGeom prst="ellipse">
+                <a:avLst/>
+              </a:prstGeom>
+              <a:blipFill>
+                <a:blip r:embed="rId3"/>
+                <a:stretch>
+                  <a:fillRect/>
+                </a:stretch>
+              </a:blipFill>
+            </p:spPr>
+            <p:txBody>
+              <a:bodyPr/>
+              <a:lstStyle/>
+              <a:p>
+                <a:r>
+                  <a:rPr lang="ko-KR" altLang="en-US">
+                    <a:noFill/>
+                  </a:rPr>
+                  <a:t> </a:t>
+                </a:r>
+              </a:p>
+            </p:txBody>
+          </p:sp>
+        </mc:Fallback>
+      </mc:AlternateContent>
+      <mc:AlternateContent xmlns:mc="http://schemas.openxmlformats.org/markup-compatibility/2006" xmlns:a14="http://schemas.microsoft.com/office/drawing/2010/main">
+        <mc:Choice Requires="a14">
+          <p:sp>
+            <p:nvSpPr>
+              <p:cNvPr id="8" name="타원 7">
+                <a:extLst>
+                  <a:ext uri="{FF2B5EF4-FFF2-40B4-BE49-F238E27FC236}">
+                    <a16:creationId xmlns:a16="http://schemas.microsoft.com/office/drawing/2014/main" id="{09EB1A7D-470B-4204-ABEF-37859E48F967}"/>
+                  </a:ext>
+                </a:extLst>
+              </p:cNvPr>
+              <p:cNvSpPr/>
+              <p:nvPr/>
+            </p:nvSpPr>
+            <p:spPr>
+              <a:xfrm>
+                <a:off x="9316031" y="2221221"/>
+                <a:ext cx="717755" cy="717755"/>
+              </a:xfrm>
+              <a:prstGeom prst="ellipse">
+                <a:avLst/>
+              </a:prstGeom>
+            </p:spPr>
+            <p:style>
+              <a:lnRef idx="2">
+                <a:schemeClr val="accent1">
+                  <a:shade val="50000"/>
+                </a:schemeClr>
+              </a:lnRef>
+              <a:fillRef idx="1">
+                <a:schemeClr val="accent1"/>
+              </a:fillRef>
+              <a:effectRef idx="0">
+                <a:schemeClr val="accent1"/>
+              </a:effectRef>
+              <a:fontRef idx="minor">
+                <a:schemeClr val="lt1"/>
+              </a:fontRef>
+            </p:style>
+            <p:txBody>
+              <a:bodyPr rtlCol="0" anchor="ctr"/>
+              <a:lstStyle/>
+              <a:p>
+                <a:pPr algn="ctr"/>
+                <a14:m>
+                  <m:oMath xmlns:m="http://schemas.openxmlformats.org/officeDocument/2006/math">
+                    <m:sSub>
+                      <m:sSubPr>
+                        <m:ctrlPr>
+                          <a:rPr lang="en-US" altLang="ko-KR" b="0" i="1" smtClean="0">
+                            <a:latin typeface="Cambria Math" panose="02040503050406030204" pitchFamily="18" charset="0"/>
+                          </a:rPr>
+                        </m:ctrlPr>
+                      </m:sSubPr>
+                      <m:e>
+                        <m:r>
+                          <a:rPr lang="en-US" altLang="ko-KR" b="0" i="1" smtClean="0">
+                            <a:latin typeface="Cambria Math" panose="02040503050406030204" pitchFamily="18" charset="0"/>
+                          </a:rPr>
+                          <m:t>𝑌</m:t>
+                        </m:r>
+                      </m:e>
+                      <m:sub>
+                        <m:r>
+                          <a:rPr lang="en-US" altLang="ko-KR" b="0" i="1" smtClean="0">
+                            <a:latin typeface="Cambria Math" panose="02040503050406030204" pitchFamily="18" charset="0"/>
+                          </a:rPr>
+                          <m:t>&lt;</m:t>
+                        </m:r>
+                        <m:r>
+                          <a:rPr lang="en-US" altLang="ko-KR" b="0" i="1" smtClean="0">
+                            <a:latin typeface="Cambria Math" panose="02040503050406030204" pitchFamily="18" charset="0"/>
+                          </a:rPr>
+                          <m:t>𝑡</m:t>
+                        </m:r>
+                      </m:sub>
+                    </m:sSub>
+                  </m:oMath>
+                </a14:m>
+                <a:r>
+                  <a:rPr lang="ko-KR" altLang="en-US" dirty="0"/>
+                  <a:t> </a:t>
+                </a:r>
+              </a:p>
+            </p:txBody>
+          </p:sp>
+        </mc:Choice>
+        <mc:Fallback xmlns="">
+          <p:sp>
+            <p:nvSpPr>
+              <p:cNvPr id="8" name="타원 7">
+                <a:extLst>
+                  <a:ext uri="{FF2B5EF4-FFF2-40B4-BE49-F238E27FC236}">
+                    <a16:creationId xmlns:a16="http://schemas.microsoft.com/office/drawing/2014/main" id="{09EB1A7D-470B-4204-ABEF-37859E48F967}"/>
+                  </a:ext>
+                </a:extLst>
+              </p:cNvPr>
+              <p:cNvSpPr>
+                <a:spLocks noRot="1" noChangeAspect="1" noMove="1" noResize="1" noEditPoints="1" noAdjustHandles="1" noChangeArrowheads="1" noChangeShapeType="1" noTextEdit="1"/>
+              </p:cNvSpPr>
+              <p:nvPr/>
+            </p:nvSpPr>
+            <p:spPr>
+              <a:xfrm>
+                <a:off x="9316031" y="2221221"/>
+                <a:ext cx="717755" cy="717755"/>
+              </a:xfrm>
+              <a:prstGeom prst="ellipse">
+                <a:avLst/>
+              </a:prstGeom>
+              <a:blipFill>
+                <a:blip r:embed="rId4"/>
+                <a:stretch>
+                  <a:fillRect/>
+                </a:stretch>
+              </a:blipFill>
+            </p:spPr>
+            <p:txBody>
+              <a:bodyPr/>
+              <a:lstStyle/>
+              <a:p>
+                <a:r>
+                  <a:rPr lang="ko-KR" altLang="en-US">
+                    <a:noFill/>
+                  </a:rPr>
+                  <a:t> </a:t>
+                </a:r>
+              </a:p>
+            </p:txBody>
+          </p:sp>
+        </mc:Fallback>
+      </mc:AlternateContent>
+      <p:cxnSp>
+        <p:nvCxnSpPr>
+          <p:cNvPr id="10" name="직선 화살표 연결선 9">
+            <a:extLst>
+              <a:ext uri="{FF2B5EF4-FFF2-40B4-BE49-F238E27FC236}">
+                <a16:creationId xmlns:a16="http://schemas.microsoft.com/office/drawing/2014/main" id="{22CF998C-9162-4F70-AA4A-0624886C2F98}"/>
+              </a:ext>
+            </a:extLst>
+          </p:cNvPr>
+          <p:cNvCxnSpPr>
+            <a:stCxn id="4" idx="6"/>
+            <a:endCxn id="7" idx="2"/>
+          </p:cNvCxnSpPr>
+          <p:nvPr/>
+        </p:nvCxnSpPr>
+        <p:spPr>
+          <a:xfrm>
+            <a:off x="7843263" y="1047011"/>
+            <a:ext cx="1472770" cy="12291"/>
+          </a:xfrm>
+          <a:prstGeom prst="straightConnector1">
+            <a:avLst/>
+          </a:prstGeom>
+          <a:ln w="38100">
+            <a:solidFill>
+              <a:srgbClr val="002060"/>
+            </a:solidFill>
+            <a:tailEnd type="triangle"/>
+          </a:ln>
+        </p:spPr>
+        <p:style>
+          <a:lnRef idx="1">
+            <a:schemeClr val="accent1"/>
+          </a:lnRef>
+          <a:fillRef idx="0">
+            <a:schemeClr val="accent1"/>
+          </a:fillRef>
+          <a:effectRef idx="0">
+            <a:schemeClr val="accent1"/>
+          </a:effectRef>
+          <a:fontRef idx="minor">
+            <a:schemeClr val="tx1"/>
+          </a:fontRef>
+        </p:style>
+      </p:cxnSp>
+      <p:cxnSp>
+        <p:nvCxnSpPr>
+          <p:cNvPr id="11" name="직선 화살표 연결선 10">
+            <a:extLst>
+              <a:ext uri="{FF2B5EF4-FFF2-40B4-BE49-F238E27FC236}">
+                <a16:creationId xmlns:a16="http://schemas.microsoft.com/office/drawing/2014/main" id="{233E5FB4-5C7D-43C5-A615-7A67FB8C101C}"/>
+              </a:ext>
+            </a:extLst>
+          </p:cNvPr>
+          <p:cNvCxnSpPr>
+            <a:cxnSpLocks/>
+            <a:stCxn id="8" idx="0"/>
+            <a:endCxn id="7" idx="4"/>
+          </p:cNvCxnSpPr>
+          <p:nvPr/>
+        </p:nvCxnSpPr>
+        <p:spPr>
+          <a:xfrm flipV="1">
+            <a:off x="9674909" y="1418179"/>
+            <a:ext cx="2" cy="803042"/>
+          </a:xfrm>
+          <a:prstGeom prst="straightConnector1">
+            <a:avLst/>
+          </a:prstGeom>
+          <a:ln w="38100">
+            <a:solidFill>
+              <a:srgbClr val="002060"/>
+            </a:solidFill>
+            <a:prstDash val="sysDot"/>
+            <a:tailEnd type="triangle"/>
+          </a:ln>
+        </p:spPr>
+        <p:style>
+          <a:lnRef idx="1">
+            <a:schemeClr val="accent1"/>
+          </a:lnRef>
+          <a:fillRef idx="0">
+            <a:schemeClr val="accent1"/>
+          </a:fillRef>
+          <a:effectRef idx="0">
+            <a:schemeClr val="accent1"/>
+          </a:effectRef>
+          <a:fontRef idx="minor">
+            <a:schemeClr val="tx1"/>
+          </a:fontRef>
+        </p:style>
+      </p:cxnSp>
+      <mc:AlternateContent xmlns:mc="http://schemas.openxmlformats.org/markup-compatibility/2006" xmlns:a14="http://schemas.microsoft.com/office/drawing/2010/main">
+        <mc:Choice Requires="a14">
+          <p:sp>
+            <p:nvSpPr>
+              <p:cNvPr id="18" name="TextBox 17">
+                <a:extLst>
+                  <a:ext uri="{FF2B5EF4-FFF2-40B4-BE49-F238E27FC236}">
+                    <a16:creationId xmlns:a16="http://schemas.microsoft.com/office/drawing/2014/main" id="{2C17FEB6-8AAD-46C7-9C5D-A41F103E77E3}"/>
+                  </a:ext>
+                </a:extLst>
+              </p:cNvPr>
+              <p:cNvSpPr txBox="1"/>
+              <p:nvPr/>
+            </p:nvSpPr>
+            <p:spPr>
+              <a:xfrm>
+                <a:off x="8183963" y="677679"/>
+                <a:ext cx="376989" cy="369332"/>
+              </a:xfrm>
+              <a:prstGeom prst="rect">
+                <a:avLst/>
+              </a:prstGeom>
+              <a:noFill/>
+            </p:spPr>
+            <p:txBody>
+              <a:bodyPr wrap="square" rtlCol="0">
+                <a:spAutoFit/>
+              </a:bodyPr>
+              <a:lstStyle/>
+              <a:p>
+                <a:pPr/>
+                <a14:m>
+                  <m:oMathPara xmlns:m="http://schemas.openxmlformats.org/officeDocument/2006/math">
+                    <m:oMathParaPr>
+                      <m:jc m:val="centerGroup"/>
+                    </m:oMathParaPr>
+                    <m:oMath xmlns:m="http://schemas.openxmlformats.org/officeDocument/2006/math">
+                      <m:r>
+                        <a:rPr lang="en-US" altLang="ko-KR" b="0" i="1" smtClean="0">
+                          <a:latin typeface="Cambria Math" panose="02040503050406030204" pitchFamily="18" charset="0"/>
+                        </a:rPr>
+                        <m:t>𝜃</m:t>
+                      </m:r>
+                    </m:oMath>
+                  </m:oMathPara>
+                </a14:m>
+                <a:endParaRPr lang="ko-KR" altLang="en-US" dirty="0"/>
+              </a:p>
+            </p:txBody>
+          </p:sp>
+        </mc:Choice>
+        <mc:Fallback xmlns="">
+          <p:sp>
+            <p:nvSpPr>
+              <p:cNvPr id="18" name="TextBox 17">
+                <a:extLst>
+                  <a:ext uri="{FF2B5EF4-FFF2-40B4-BE49-F238E27FC236}">
+                    <a16:creationId xmlns:a16="http://schemas.microsoft.com/office/drawing/2014/main" id="{2C17FEB6-8AAD-46C7-9C5D-A41F103E77E3}"/>
+                  </a:ext>
+                </a:extLst>
+              </p:cNvPr>
+              <p:cNvSpPr txBox="1">
+                <a:spLocks noRot="1" noChangeAspect="1" noMove="1" noResize="1" noEditPoints="1" noAdjustHandles="1" noChangeArrowheads="1" noChangeShapeType="1" noTextEdit="1"/>
+              </p:cNvSpPr>
+              <p:nvPr/>
+            </p:nvSpPr>
+            <p:spPr>
+              <a:xfrm>
+                <a:off x="8183963" y="677679"/>
+                <a:ext cx="376989" cy="369332"/>
+              </a:xfrm>
+              <a:prstGeom prst="rect">
+                <a:avLst/>
+              </a:prstGeom>
+              <a:blipFill>
+                <a:blip r:embed="rId5"/>
+                <a:stretch>
+                  <a:fillRect/>
+                </a:stretch>
+              </a:blipFill>
+            </p:spPr>
+            <p:txBody>
+              <a:bodyPr/>
+              <a:lstStyle/>
+              <a:p>
+                <a:r>
+                  <a:rPr lang="ko-KR" altLang="en-US">
+                    <a:noFill/>
+                  </a:rPr>
+                  <a:t> </a:t>
+                </a:r>
+              </a:p>
+            </p:txBody>
+          </p:sp>
+        </mc:Fallback>
+      </mc:AlternateContent>
+      <mc:AlternateContent xmlns:mc="http://schemas.openxmlformats.org/markup-compatibility/2006" xmlns:a14="http://schemas.microsoft.com/office/drawing/2010/main">
+        <mc:Choice Requires="a14">
+          <p:sp>
+            <p:nvSpPr>
+              <p:cNvPr id="19" name="TextBox 18">
+                <a:extLst>
+                  <a:ext uri="{FF2B5EF4-FFF2-40B4-BE49-F238E27FC236}">
+                    <a16:creationId xmlns:a16="http://schemas.microsoft.com/office/drawing/2014/main" id="{3D5A1752-9E27-4FD0-BBC3-A0CB1A81330A}"/>
+                  </a:ext>
+                </a:extLst>
+              </p:cNvPr>
+              <p:cNvSpPr txBox="1"/>
+              <p:nvPr/>
+            </p:nvSpPr>
+            <p:spPr>
+              <a:xfrm>
+                <a:off x="9738110" y="1576345"/>
+                <a:ext cx="376989" cy="369332"/>
+              </a:xfrm>
+              <a:prstGeom prst="rect">
+                <a:avLst/>
+              </a:prstGeom>
+              <a:noFill/>
+            </p:spPr>
+            <p:txBody>
+              <a:bodyPr wrap="square" rtlCol="0">
+                <a:spAutoFit/>
+              </a:bodyPr>
+              <a:lstStyle/>
+              <a:p>
+                <a:pPr/>
+                <a14:m>
+                  <m:oMathPara xmlns:m="http://schemas.openxmlformats.org/officeDocument/2006/math">
+                    <m:oMathParaPr>
+                      <m:jc m:val="centerGroup"/>
+                    </m:oMathParaPr>
+                    <m:oMath xmlns:m="http://schemas.openxmlformats.org/officeDocument/2006/math">
+                      <m:r>
+                        <a:rPr lang="en-US" altLang="ko-KR" b="0" i="1" smtClean="0">
+                          <a:latin typeface="Cambria Math" panose="02040503050406030204" pitchFamily="18" charset="0"/>
+                        </a:rPr>
+                        <m:t>𝜃</m:t>
+                      </m:r>
+                    </m:oMath>
+                  </m:oMathPara>
+                </a14:m>
+                <a:endParaRPr lang="ko-KR" altLang="en-US" dirty="0"/>
+              </a:p>
+            </p:txBody>
+          </p:sp>
+        </mc:Choice>
+        <mc:Fallback xmlns="">
+          <p:sp>
+            <p:nvSpPr>
+              <p:cNvPr id="19" name="TextBox 18">
+                <a:extLst>
+                  <a:ext uri="{FF2B5EF4-FFF2-40B4-BE49-F238E27FC236}">
+                    <a16:creationId xmlns:a16="http://schemas.microsoft.com/office/drawing/2014/main" id="{3D5A1752-9E27-4FD0-BBC3-A0CB1A81330A}"/>
+                  </a:ext>
+                </a:extLst>
+              </p:cNvPr>
+              <p:cNvSpPr txBox="1">
+                <a:spLocks noRot="1" noChangeAspect="1" noMove="1" noResize="1" noEditPoints="1" noAdjustHandles="1" noChangeArrowheads="1" noChangeShapeType="1" noTextEdit="1"/>
+              </p:cNvSpPr>
+              <p:nvPr/>
+            </p:nvSpPr>
+            <p:spPr>
+              <a:xfrm>
+                <a:off x="9738110" y="1576345"/>
+                <a:ext cx="376989" cy="369332"/>
+              </a:xfrm>
+              <a:prstGeom prst="rect">
+                <a:avLst/>
+              </a:prstGeom>
+              <a:blipFill>
+                <a:blip r:embed="rId6"/>
+                <a:stretch>
+                  <a:fillRect/>
+                </a:stretch>
+              </a:blipFill>
+            </p:spPr>
+            <p:txBody>
+              <a:bodyPr/>
+              <a:lstStyle/>
+              <a:p>
+                <a:r>
+                  <a:rPr lang="ko-KR" altLang="en-US">
+                    <a:noFill/>
+                  </a:rPr>
+                  <a:t> </a:t>
+                </a:r>
+              </a:p>
+            </p:txBody>
+          </p:sp>
+        </mc:Fallback>
+      </mc:AlternateContent>
+      <p:sp>
+        <p:nvSpPr>
+          <p:cNvPr id="40" name="TextBox 39">
+            <a:extLst>
+              <a:ext uri="{FF2B5EF4-FFF2-40B4-BE49-F238E27FC236}">
+                <a16:creationId xmlns:a16="http://schemas.microsoft.com/office/drawing/2014/main" id="{75B69D7B-501F-4BEB-AA35-8FB0194817E9}"/>
+              </a:ext>
+            </a:extLst>
+          </p:cNvPr>
+          <p:cNvSpPr txBox="1"/>
+          <p:nvPr/>
+        </p:nvSpPr>
+        <p:spPr>
+          <a:xfrm>
+            <a:off x="6603993" y="1538637"/>
+            <a:ext cx="2241610" cy="646331"/>
+          </a:xfrm>
+          <a:prstGeom prst="rect">
+            <a:avLst/>
+          </a:prstGeom>
+          <a:noFill/>
+        </p:spPr>
+        <p:txBody>
+          <a:bodyPr wrap="square" rtlCol="0">
+            <a:spAutoFit/>
+          </a:bodyPr>
+          <a:lstStyle/>
+          <a:p>
+            <a:r>
+              <a:rPr lang="en-US" altLang="ko-KR" b="1" dirty="0"/>
+              <a:t>an auto-regressive </a:t>
+            </a:r>
+            <a:br>
+              <a:rPr lang="en-US" altLang="ko-KR" b="1" dirty="0"/>
+            </a:br>
+            <a:r>
+              <a:rPr lang="en-US" altLang="ko-KR" b="1" dirty="0"/>
+              <a:t>decoder</a:t>
+            </a:r>
+            <a:endParaRPr lang="ko-KR" altLang="en-US" b="1" dirty="0"/>
+          </a:p>
+        </p:txBody>
+      </p:sp>
+      <mc:AlternateContent xmlns:mc="http://schemas.openxmlformats.org/markup-compatibility/2006">
+        <mc:Choice xmlns:a14="http://schemas.microsoft.com/office/drawing/2010/main" Requires="a14">
+          <p:sp>
+            <p:nvSpPr>
+              <p:cNvPr id="47" name="타원 46">
+                <a:extLst>
+                  <a:ext uri="{FF2B5EF4-FFF2-40B4-BE49-F238E27FC236}">
+                    <a16:creationId xmlns:a16="http://schemas.microsoft.com/office/drawing/2014/main" id="{6206D6CD-2CA1-490E-90BF-0B913B60E431}"/>
+                  </a:ext>
+                </a:extLst>
+              </p:cNvPr>
+              <p:cNvSpPr/>
+              <p:nvPr/>
+            </p:nvSpPr>
+            <p:spPr>
+              <a:xfrm>
+                <a:off x="2210466" y="318801"/>
+                <a:ext cx="717755" cy="717755"/>
+              </a:xfrm>
+              <a:prstGeom prst="ellipse">
+                <a:avLst/>
+              </a:prstGeom>
+            </p:spPr>
+            <p:style>
+              <a:lnRef idx="2">
+                <a:schemeClr val="accent1">
+                  <a:shade val="50000"/>
+                </a:schemeClr>
+              </a:lnRef>
+              <a:fillRef idx="1">
+                <a:schemeClr val="accent1"/>
+              </a:fillRef>
+              <a:effectRef idx="0">
+                <a:schemeClr val="accent1"/>
+              </a:effectRef>
+              <a:fontRef idx="minor">
+                <a:schemeClr val="lt1"/>
+              </a:fontRef>
+            </p:style>
+            <p:txBody>
+              <a:bodyPr rtlCol="0" anchor="ctr"/>
+              <a:lstStyle/>
+              <a:p>
+                <a:pPr algn="ctr"/>
+                <a14:m>
+                  <m:oMath xmlns:m="http://schemas.openxmlformats.org/officeDocument/2006/math">
+                    <m:r>
+                      <a:rPr lang="en-US" altLang="ko-KR" b="0" i="1" smtClean="0">
+                        <a:latin typeface="Cambria Math" panose="02040503050406030204" pitchFamily="18" charset="0"/>
+                      </a:rPr>
+                      <m:t>𝑍</m:t>
+                    </m:r>
+                  </m:oMath>
+                </a14:m>
+                <a:r>
+                  <a:rPr lang="ko-KR" altLang="en-US" dirty="0"/>
+                  <a:t> </a:t>
+                </a:r>
+              </a:p>
+            </p:txBody>
+          </p:sp>
+        </mc:Choice>
+        <mc:Fallback>
+          <p:sp>
+            <p:nvSpPr>
+              <p:cNvPr id="47" name="타원 46">
+                <a:extLst>
+                  <a:ext uri="{FF2B5EF4-FFF2-40B4-BE49-F238E27FC236}">
+                    <a16:creationId xmlns:a16="http://schemas.microsoft.com/office/drawing/2014/main" id="{6206D6CD-2CA1-490E-90BF-0B913B60E431}"/>
+                  </a:ext>
+                </a:extLst>
+              </p:cNvPr>
+              <p:cNvSpPr>
+                <a:spLocks noRot="1" noChangeAspect="1" noMove="1" noResize="1" noEditPoints="1" noAdjustHandles="1" noChangeArrowheads="1" noChangeShapeType="1" noTextEdit="1"/>
+              </p:cNvSpPr>
+              <p:nvPr/>
+            </p:nvSpPr>
+            <p:spPr>
+              <a:xfrm>
+                <a:off x="2210466" y="318801"/>
+                <a:ext cx="717755" cy="717755"/>
+              </a:xfrm>
+              <a:prstGeom prst="ellipse">
+                <a:avLst/>
+              </a:prstGeom>
+              <a:blipFill>
+                <a:blip r:embed="rId7"/>
+                <a:stretch>
+                  <a:fillRect/>
+                </a:stretch>
+              </a:blipFill>
+            </p:spPr>
+            <p:txBody>
+              <a:bodyPr/>
+              <a:lstStyle/>
+              <a:p>
+                <a:r>
+                  <a:rPr lang="ko-KR" altLang="en-US">
+                    <a:noFill/>
+                  </a:rPr>
+                  <a:t> </a:t>
+                </a:r>
+              </a:p>
+            </p:txBody>
+          </p:sp>
+        </mc:Fallback>
+      </mc:AlternateContent>
+      <mc:AlternateContent xmlns:mc="http://schemas.openxmlformats.org/markup-compatibility/2006">
+        <mc:Choice xmlns:a14="http://schemas.microsoft.com/office/drawing/2010/main" Requires="a14">
+          <p:sp>
+            <p:nvSpPr>
+              <p:cNvPr id="48" name="타원 47">
+                <a:extLst>
+                  <a:ext uri="{FF2B5EF4-FFF2-40B4-BE49-F238E27FC236}">
+                    <a16:creationId xmlns:a16="http://schemas.microsoft.com/office/drawing/2014/main" id="{B93714CC-B3BA-463E-AA8C-DA46E1B93B57}"/>
+                  </a:ext>
+                </a:extLst>
+              </p:cNvPr>
+              <p:cNvSpPr/>
+              <p:nvPr/>
+            </p:nvSpPr>
+            <p:spPr>
+              <a:xfrm>
+                <a:off x="2549303" y="2099848"/>
+                <a:ext cx="717755" cy="717755"/>
+              </a:xfrm>
+              <a:prstGeom prst="ellipse">
+                <a:avLst/>
+              </a:prstGeom>
+            </p:spPr>
+            <p:style>
+              <a:lnRef idx="2">
+                <a:schemeClr val="accent1">
+                  <a:shade val="50000"/>
+                </a:schemeClr>
+              </a:lnRef>
+              <a:fillRef idx="1">
+                <a:schemeClr val="accent1"/>
+              </a:fillRef>
+              <a:effectRef idx="0">
+                <a:schemeClr val="accent1"/>
+              </a:effectRef>
+              <a:fontRef idx="minor">
+                <a:schemeClr val="lt1"/>
+              </a:fontRef>
+            </p:style>
+            <p:txBody>
+              <a:bodyPr rtlCol="0" anchor="ctr"/>
+              <a:lstStyle/>
+              <a:p>
+                <a:pPr algn="ctr"/>
+                <a:r>
+                  <a:rPr lang="en-US" altLang="ko-KR" b="0" dirty="0"/>
+                  <a:t> </a:t>
+                </a:r>
+                <a14:m>
+                  <m:oMath xmlns:m="http://schemas.openxmlformats.org/officeDocument/2006/math">
+                    <m:r>
+                      <a:rPr lang="en-US" altLang="ko-KR" b="0" i="1" smtClean="0">
+                        <a:latin typeface="Cambria Math" panose="02040503050406030204" pitchFamily="18" charset="0"/>
+                      </a:rPr>
+                      <m:t>𝑌</m:t>
+                    </m:r>
+                  </m:oMath>
+                </a14:m>
+                <a:r>
+                  <a:rPr lang="ko-KR" altLang="en-US" dirty="0"/>
+                  <a:t> </a:t>
+                </a:r>
+              </a:p>
+            </p:txBody>
+          </p:sp>
+        </mc:Choice>
+        <mc:Fallback>
+          <p:sp>
+            <p:nvSpPr>
+              <p:cNvPr id="48" name="타원 47">
+                <a:extLst>
+                  <a:ext uri="{FF2B5EF4-FFF2-40B4-BE49-F238E27FC236}">
+                    <a16:creationId xmlns:a16="http://schemas.microsoft.com/office/drawing/2014/main" id="{B93714CC-B3BA-463E-AA8C-DA46E1B93B57}"/>
+                  </a:ext>
+                </a:extLst>
+              </p:cNvPr>
+              <p:cNvSpPr>
+                <a:spLocks noRot="1" noChangeAspect="1" noMove="1" noResize="1" noEditPoints="1" noAdjustHandles="1" noChangeArrowheads="1" noChangeShapeType="1" noTextEdit="1"/>
+              </p:cNvSpPr>
+              <p:nvPr/>
+            </p:nvSpPr>
+            <p:spPr>
+              <a:xfrm>
+                <a:off x="2549303" y="2099848"/>
+                <a:ext cx="717755" cy="717755"/>
+              </a:xfrm>
+              <a:prstGeom prst="ellipse">
+                <a:avLst/>
+              </a:prstGeom>
+              <a:blipFill>
+                <a:blip r:embed="rId8"/>
+                <a:stretch>
+                  <a:fillRect/>
+                </a:stretch>
+              </a:blipFill>
+            </p:spPr>
+            <p:txBody>
+              <a:bodyPr/>
+              <a:lstStyle/>
+              <a:p>
+                <a:r>
+                  <a:rPr lang="ko-KR" altLang="en-US">
+                    <a:noFill/>
+                  </a:rPr>
+                  <a:t> </a:t>
+                </a:r>
+              </a:p>
+            </p:txBody>
+          </p:sp>
+        </mc:Fallback>
+      </mc:AlternateContent>
+      <p:cxnSp>
+        <p:nvCxnSpPr>
+          <p:cNvPr id="50" name="직선 화살표 연결선 49">
+            <a:extLst>
+              <a:ext uri="{FF2B5EF4-FFF2-40B4-BE49-F238E27FC236}">
+                <a16:creationId xmlns:a16="http://schemas.microsoft.com/office/drawing/2014/main" id="{55790727-C4B9-4D8B-BFF6-A3BD45E126F2}"/>
+              </a:ext>
+            </a:extLst>
+          </p:cNvPr>
+          <p:cNvCxnSpPr>
+            <a:cxnSpLocks/>
+          </p:cNvCxnSpPr>
+          <p:nvPr/>
+        </p:nvCxnSpPr>
+        <p:spPr>
+          <a:xfrm flipH="1" flipV="1">
+            <a:off x="1645210" y="4674660"/>
+            <a:ext cx="507686" cy="1114210"/>
+          </a:xfrm>
+          <a:prstGeom prst="straightConnector1">
+            <a:avLst/>
+          </a:prstGeom>
+          <a:ln w="38100">
+            <a:solidFill>
+              <a:srgbClr val="002060"/>
+            </a:solidFill>
+            <a:tailEnd type="triangle"/>
+          </a:ln>
+        </p:spPr>
+        <p:style>
+          <a:lnRef idx="1">
+            <a:schemeClr val="accent1"/>
+          </a:lnRef>
+          <a:fillRef idx="0">
+            <a:schemeClr val="accent1"/>
+          </a:fillRef>
+          <a:effectRef idx="0">
+            <a:schemeClr val="accent1"/>
+          </a:effectRef>
+          <a:fontRef idx="minor">
+            <a:schemeClr val="tx1"/>
+          </a:fontRef>
+        </p:style>
+      </p:cxnSp>
+      <mc:AlternateContent xmlns:mc="http://schemas.openxmlformats.org/markup-compatibility/2006">
+        <mc:Choice xmlns:a14="http://schemas.microsoft.com/office/drawing/2010/main" Requires="a14">
+          <p:sp>
+            <p:nvSpPr>
+              <p:cNvPr id="54" name="타원 53">
+                <a:extLst>
+                  <a:ext uri="{FF2B5EF4-FFF2-40B4-BE49-F238E27FC236}">
+                    <a16:creationId xmlns:a16="http://schemas.microsoft.com/office/drawing/2014/main" id="{4BF65349-1866-4EF9-9BE5-F3C6170CBF82}"/>
+                  </a:ext>
+                </a:extLst>
+              </p:cNvPr>
+              <p:cNvSpPr/>
+              <p:nvPr/>
+            </p:nvSpPr>
+            <p:spPr>
+              <a:xfrm>
+                <a:off x="523069" y="1538637"/>
+                <a:ext cx="717755" cy="717755"/>
+              </a:xfrm>
+              <a:prstGeom prst="ellipse">
+                <a:avLst/>
+              </a:prstGeom>
+            </p:spPr>
+            <p:style>
+              <a:lnRef idx="2">
+                <a:schemeClr val="accent1">
+                  <a:shade val="50000"/>
+                </a:schemeClr>
+              </a:lnRef>
+              <a:fillRef idx="1">
+                <a:schemeClr val="accent1"/>
+              </a:fillRef>
+              <a:effectRef idx="0">
+                <a:schemeClr val="accent1"/>
+              </a:effectRef>
+              <a:fontRef idx="minor">
+                <a:schemeClr val="lt1"/>
+              </a:fontRef>
+            </p:style>
+            <p:txBody>
+              <a:bodyPr rtlCol="0" anchor="ctr"/>
+              <a:lstStyle/>
+              <a:p>
+                <a:pPr algn="ctr"/>
+                <a14:m>
+                  <m:oMath xmlns:m="http://schemas.openxmlformats.org/officeDocument/2006/math">
+                    <m:r>
+                      <a:rPr lang="en-US" altLang="ko-KR" i="1" dirty="0" smtClean="0">
+                        <a:latin typeface="Cambria Math" panose="02040503050406030204" pitchFamily="18" charset="0"/>
+                      </a:rPr>
+                      <m:t>𝑋</m:t>
+                    </m:r>
+                  </m:oMath>
+                </a14:m>
+                <a:r>
+                  <a:rPr lang="ko-KR" altLang="en-US" dirty="0"/>
+                  <a:t> </a:t>
+                </a:r>
+              </a:p>
+            </p:txBody>
+          </p:sp>
+        </mc:Choice>
+        <mc:Fallback>
+          <p:sp>
+            <p:nvSpPr>
+              <p:cNvPr id="54" name="타원 53">
+                <a:extLst>
+                  <a:ext uri="{FF2B5EF4-FFF2-40B4-BE49-F238E27FC236}">
+                    <a16:creationId xmlns:a16="http://schemas.microsoft.com/office/drawing/2014/main" id="{4BF65349-1866-4EF9-9BE5-F3C6170CBF82}"/>
+                  </a:ext>
+                </a:extLst>
+              </p:cNvPr>
+              <p:cNvSpPr>
+                <a:spLocks noRot="1" noChangeAspect="1" noMove="1" noResize="1" noEditPoints="1" noAdjustHandles="1" noChangeArrowheads="1" noChangeShapeType="1" noTextEdit="1"/>
+              </p:cNvSpPr>
+              <p:nvPr/>
+            </p:nvSpPr>
+            <p:spPr>
+              <a:xfrm>
+                <a:off x="523069" y="1538637"/>
+                <a:ext cx="717755" cy="717755"/>
+              </a:xfrm>
+              <a:prstGeom prst="ellipse">
+                <a:avLst/>
+              </a:prstGeom>
+              <a:blipFill>
+                <a:blip r:embed="rId9"/>
+                <a:stretch>
+                  <a:fillRect/>
+                </a:stretch>
+              </a:blipFill>
+            </p:spPr>
+            <p:txBody>
+              <a:bodyPr/>
+              <a:lstStyle/>
+              <a:p>
+                <a:r>
+                  <a:rPr lang="ko-KR" altLang="en-US">
+                    <a:noFill/>
+                  </a:rPr>
+                  <a:t> </a:t>
+                </a:r>
+              </a:p>
+            </p:txBody>
+          </p:sp>
+        </mc:Fallback>
+      </mc:AlternateContent>
+      <p:cxnSp>
+        <p:nvCxnSpPr>
+          <p:cNvPr id="55" name="직선 화살표 연결선 54">
+            <a:extLst>
+              <a:ext uri="{FF2B5EF4-FFF2-40B4-BE49-F238E27FC236}">
+                <a16:creationId xmlns:a16="http://schemas.microsoft.com/office/drawing/2014/main" id="{06EFC130-A1B9-4C04-AD9C-385078FC4E7D}"/>
+              </a:ext>
+            </a:extLst>
+          </p:cNvPr>
+          <p:cNvCxnSpPr>
+            <a:cxnSpLocks/>
+            <a:stCxn id="54" idx="7"/>
+            <a:endCxn id="47" idx="3"/>
+          </p:cNvCxnSpPr>
+          <p:nvPr/>
+        </p:nvCxnSpPr>
+        <p:spPr>
+          <a:xfrm flipV="1">
+            <a:off x="1135711" y="931443"/>
+            <a:ext cx="1179868" cy="712307"/>
+          </a:xfrm>
+          <a:prstGeom prst="straightConnector1">
+            <a:avLst/>
+          </a:prstGeom>
+          <a:ln w="38100">
+            <a:solidFill>
+              <a:srgbClr val="002060"/>
+            </a:solidFill>
+            <a:tailEnd type="triangle"/>
+          </a:ln>
+        </p:spPr>
+        <p:style>
+          <a:lnRef idx="1">
+            <a:schemeClr val="accent1"/>
+          </a:lnRef>
+          <a:fillRef idx="0">
+            <a:schemeClr val="accent1"/>
+          </a:fillRef>
+          <a:effectRef idx="0">
+            <a:schemeClr val="accent1"/>
+          </a:effectRef>
+          <a:fontRef idx="minor">
+            <a:schemeClr val="tx1"/>
+          </a:fontRef>
+        </p:style>
+      </p:cxnSp>
+      <mc:AlternateContent xmlns:mc="http://schemas.openxmlformats.org/markup-compatibility/2006">
+        <mc:Choice xmlns:a14="http://schemas.microsoft.com/office/drawing/2010/main" Requires="a14">
+          <p:sp>
+            <p:nvSpPr>
+              <p:cNvPr id="56" name="TextBox 55">
+                <a:extLst>
+                  <a:ext uri="{FF2B5EF4-FFF2-40B4-BE49-F238E27FC236}">
+                    <a16:creationId xmlns:a16="http://schemas.microsoft.com/office/drawing/2014/main" id="{32E2B758-BDEA-48EF-901B-20652353A7BE}"/>
+                  </a:ext>
+                </a:extLst>
+              </p:cNvPr>
+              <p:cNvSpPr txBox="1"/>
+              <p:nvPr/>
+            </p:nvSpPr>
+            <p:spPr>
+              <a:xfrm>
+                <a:off x="1459578" y="934105"/>
+                <a:ext cx="376989" cy="369332"/>
+              </a:xfrm>
+              <a:prstGeom prst="rect">
+                <a:avLst/>
+              </a:prstGeom>
+              <a:noFill/>
+            </p:spPr>
+            <p:txBody>
+              <a:bodyPr wrap="square" rtlCol="0">
+                <a:spAutoFit/>
+              </a:bodyPr>
+              <a:lstStyle/>
+              <a:p>
+                <a:pPr/>
+                <a14:m>
+                  <m:oMathPara xmlns:m="http://schemas.openxmlformats.org/officeDocument/2006/math">
+                    <m:oMathParaPr>
+                      <m:jc m:val="centerGroup"/>
+                    </m:oMathParaPr>
+                    <m:oMath xmlns:m="http://schemas.openxmlformats.org/officeDocument/2006/math">
+                      <m:r>
+                        <a:rPr lang="en-US" altLang="ko-KR" b="0" i="1" smtClean="0">
+                          <a:latin typeface="Cambria Math" panose="02040503050406030204" pitchFamily="18" charset="0"/>
+                        </a:rPr>
+                        <m:t>𝜙</m:t>
+                      </m:r>
+                    </m:oMath>
+                  </m:oMathPara>
+                </a14:m>
+                <a:endParaRPr lang="ko-KR" altLang="en-US" dirty="0"/>
+              </a:p>
+            </p:txBody>
+          </p:sp>
+        </mc:Choice>
+        <mc:Fallback>
+          <p:sp>
+            <p:nvSpPr>
+              <p:cNvPr id="56" name="TextBox 55">
+                <a:extLst>
+                  <a:ext uri="{FF2B5EF4-FFF2-40B4-BE49-F238E27FC236}">
+                    <a16:creationId xmlns:a16="http://schemas.microsoft.com/office/drawing/2014/main" id="{32E2B758-BDEA-48EF-901B-20652353A7BE}"/>
+                  </a:ext>
+                </a:extLst>
+              </p:cNvPr>
+              <p:cNvSpPr txBox="1">
+                <a:spLocks noRot="1" noChangeAspect="1" noMove="1" noResize="1" noEditPoints="1" noAdjustHandles="1" noChangeArrowheads="1" noChangeShapeType="1" noTextEdit="1"/>
+              </p:cNvSpPr>
+              <p:nvPr/>
+            </p:nvSpPr>
+            <p:spPr>
+              <a:xfrm>
+                <a:off x="1459578" y="934105"/>
+                <a:ext cx="376989" cy="369332"/>
+              </a:xfrm>
+              <a:prstGeom prst="rect">
+                <a:avLst/>
+              </a:prstGeom>
+              <a:blipFill>
+                <a:blip r:embed="rId10"/>
+                <a:stretch>
+                  <a:fillRect b="-14754"/>
+                </a:stretch>
+              </a:blipFill>
+            </p:spPr>
+            <p:txBody>
+              <a:bodyPr/>
+              <a:lstStyle/>
+              <a:p>
+                <a:r>
+                  <a:rPr lang="ko-KR" altLang="en-US">
+                    <a:noFill/>
+                  </a:rPr>
+                  <a:t> </a:t>
+                </a:r>
+              </a:p>
+            </p:txBody>
+          </p:sp>
+        </mc:Fallback>
+      </mc:AlternateContent>
+      <p:cxnSp>
+        <p:nvCxnSpPr>
+          <p:cNvPr id="58" name="연결선: 꺾임 42">
+            <a:extLst>
+              <a:ext uri="{FF2B5EF4-FFF2-40B4-BE49-F238E27FC236}">
+                <a16:creationId xmlns:a16="http://schemas.microsoft.com/office/drawing/2014/main" id="{E6579808-6DBC-4115-B681-D61277822E1D}"/>
+              </a:ext>
+            </a:extLst>
+          </p:cNvPr>
+          <p:cNvCxnSpPr>
+            <a:cxnSpLocks/>
+            <a:stCxn id="54" idx="4"/>
+            <a:endCxn id="48" idx="3"/>
+          </p:cNvCxnSpPr>
+          <p:nvPr/>
+        </p:nvCxnSpPr>
+        <p:spPr>
+          <a:xfrm rot="16200000" flipH="1">
+            <a:off x="1540132" y="1598206"/>
+            <a:ext cx="456098" cy="1772469"/>
+          </a:xfrm>
+          <a:prstGeom prst="curvedConnector3">
+            <a:avLst>
+              <a:gd name="adj1" fmla="val 173167"/>
+            </a:avLst>
+          </a:prstGeom>
+          <a:ln w="38100">
+            <a:solidFill>
+              <a:srgbClr val="002060"/>
+            </a:solidFill>
+            <a:prstDash val="dash"/>
+            <a:tailEnd type="triangle"/>
+          </a:ln>
+        </p:spPr>
+        <p:style>
+          <a:lnRef idx="1">
+            <a:schemeClr val="accent1"/>
+          </a:lnRef>
+          <a:fillRef idx="0">
+            <a:schemeClr val="accent1"/>
+          </a:fillRef>
+          <a:effectRef idx="0">
+            <a:schemeClr val="accent1"/>
+          </a:effectRef>
+          <a:fontRef idx="minor">
+            <a:schemeClr val="tx1"/>
+          </a:fontRef>
+        </p:style>
+      </p:cxnSp>
+      <mc:AlternateContent xmlns:mc="http://schemas.openxmlformats.org/markup-compatibility/2006">
+        <mc:Choice xmlns:a14="http://schemas.microsoft.com/office/drawing/2010/main" Requires="a14">
+          <p:sp>
+            <p:nvSpPr>
+              <p:cNvPr id="59" name="TextBox 58">
+                <a:extLst>
+                  <a:ext uri="{FF2B5EF4-FFF2-40B4-BE49-F238E27FC236}">
+                    <a16:creationId xmlns:a16="http://schemas.microsoft.com/office/drawing/2014/main" id="{EF6532F0-499E-4DB3-A5C8-497FE79310C9}"/>
+                  </a:ext>
+                </a:extLst>
+              </p:cNvPr>
+              <p:cNvSpPr txBox="1"/>
+              <p:nvPr/>
+            </p:nvSpPr>
+            <p:spPr>
+              <a:xfrm>
+                <a:off x="3439033" y="1169305"/>
+                <a:ext cx="376989" cy="369332"/>
+              </a:xfrm>
+              <a:prstGeom prst="rect">
+                <a:avLst/>
+              </a:prstGeom>
+              <a:noFill/>
+            </p:spPr>
+            <p:txBody>
+              <a:bodyPr wrap="square" rtlCol="0">
+                <a:spAutoFit/>
+              </a:bodyPr>
+              <a:lstStyle/>
+              <a:p>
+                <a:pPr/>
+                <a14:m>
+                  <m:oMathPara xmlns:m="http://schemas.openxmlformats.org/officeDocument/2006/math">
+                    <m:oMathParaPr>
+                      <m:jc m:val="centerGroup"/>
+                    </m:oMathParaPr>
+                    <m:oMath xmlns:m="http://schemas.openxmlformats.org/officeDocument/2006/math">
+                      <m:r>
+                        <a:rPr lang="en-US" altLang="ko-KR" b="0" i="1" smtClean="0">
+                          <a:latin typeface="Cambria Math" panose="02040503050406030204" pitchFamily="18" charset="0"/>
+                        </a:rPr>
+                        <m:t>𝜃</m:t>
+                      </m:r>
+                    </m:oMath>
+                  </m:oMathPara>
+                </a14:m>
+                <a:endParaRPr lang="ko-KR" altLang="en-US" dirty="0"/>
+              </a:p>
+            </p:txBody>
+          </p:sp>
+        </mc:Choice>
+        <mc:Fallback>
+          <p:sp>
+            <p:nvSpPr>
+              <p:cNvPr id="59" name="TextBox 58">
+                <a:extLst>
+                  <a:ext uri="{FF2B5EF4-FFF2-40B4-BE49-F238E27FC236}">
+                    <a16:creationId xmlns:a16="http://schemas.microsoft.com/office/drawing/2014/main" id="{EF6532F0-499E-4DB3-A5C8-497FE79310C9}"/>
+                  </a:ext>
+                </a:extLst>
+              </p:cNvPr>
+              <p:cNvSpPr txBox="1">
+                <a:spLocks noRot="1" noChangeAspect="1" noMove="1" noResize="1" noEditPoints="1" noAdjustHandles="1" noChangeArrowheads="1" noChangeShapeType="1" noTextEdit="1"/>
+              </p:cNvSpPr>
+              <p:nvPr/>
+            </p:nvSpPr>
+            <p:spPr>
+              <a:xfrm>
+                <a:off x="3439033" y="1169305"/>
+                <a:ext cx="376989" cy="369332"/>
+              </a:xfrm>
+              <a:prstGeom prst="rect">
+                <a:avLst/>
+              </a:prstGeom>
+              <a:blipFill>
+                <a:blip r:embed="rId11"/>
+                <a:stretch>
+                  <a:fillRect/>
+                </a:stretch>
+              </a:blipFill>
+            </p:spPr>
+            <p:txBody>
+              <a:bodyPr/>
+              <a:lstStyle/>
+              <a:p>
+                <a:r>
+                  <a:rPr lang="ko-KR" altLang="en-US">
+                    <a:noFill/>
+                  </a:rPr>
+                  <a:t> </a:t>
+                </a:r>
+              </a:p>
+            </p:txBody>
+          </p:sp>
+        </mc:Fallback>
+      </mc:AlternateContent>
+      <p:cxnSp>
+        <p:nvCxnSpPr>
+          <p:cNvPr id="63" name="직선 화살표 연결선 62">
+            <a:extLst>
+              <a:ext uri="{FF2B5EF4-FFF2-40B4-BE49-F238E27FC236}">
+                <a16:creationId xmlns:a16="http://schemas.microsoft.com/office/drawing/2014/main" id="{6E482B4F-CAAF-4B75-AE7D-162FD8549836}"/>
+              </a:ext>
+            </a:extLst>
+          </p:cNvPr>
+          <p:cNvCxnSpPr>
+            <a:cxnSpLocks/>
+          </p:cNvCxnSpPr>
+          <p:nvPr/>
+        </p:nvCxnSpPr>
+        <p:spPr>
+          <a:xfrm>
+            <a:off x="10033786" y="6022724"/>
+            <a:ext cx="654489" cy="0"/>
+          </a:xfrm>
+          <a:prstGeom prst="straightConnector1">
+            <a:avLst/>
+          </a:prstGeom>
+          <a:ln w="38100">
+            <a:solidFill>
+              <a:srgbClr val="002060"/>
+            </a:solidFill>
+            <a:tailEnd type="triangle"/>
+          </a:ln>
+        </p:spPr>
+        <p:style>
+          <a:lnRef idx="1">
+            <a:schemeClr val="accent1"/>
+          </a:lnRef>
+          <a:fillRef idx="0">
+            <a:schemeClr val="accent1"/>
+          </a:fillRef>
+          <a:effectRef idx="0">
+            <a:schemeClr val="accent1"/>
+          </a:effectRef>
+          <a:fontRef idx="minor">
+            <a:schemeClr val="tx1"/>
+          </a:fontRef>
+        </p:style>
+      </p:cxnSp>
+      <p:cxnSp>
+        <p:nvCxnSpPr>
+          <p:cNvPr id="64" name="직선 화살표 연결선 63">
+            <a:extLst>
+              <a:ext uri="{FF2B5EF4-FFF2-40B4-BE49-F238E27FC236}">
+                <a16:creationId xmlns:a16="http://schemas.microsoft.com/office/drawing/2014/main" id="{8AA10527-42C8-41A2-B9D2-87F4E215A069}"/>
+              </a:ext>
+            </a:extLst>
+          </p:cNvPr>
+          <p:cNvCxnSpPr>
+            <a:cxnSpLocks/>
+          </p:cNvCxnSpPr>
+          <p:nvPr/>
+        </p:nvCxnSpPr>
+        <p:spPr>
+          <a:xfrm flipV="1">
+            <a:off x="10033786" y="6324073"/>
+            <a:ext cx="654489" cy="1"/>
+          </a:xfrm>
+          <a:prstGeom prst="straightConnector1">
+            <a:avLst/>
+          </a:prstGeom>
+          <a:ln w="38100">
+            <a:solidFill>
+              <a:srgbClr val="002060"/>
+            </a:solidFill>
+            <a:prstDash val="sysDot"/>
+            <a:tailEnd type="triangle"/>
+          </a:ln>
+        </p:spPr>
+        <p:style>
+          <a:lnRef idx="1">
+            <a:schemeClr val="accent1"/>
+          </a:lnRef>
+          <a:fillRef idx="0">
+            <a:schemeClr val="accent1"/>
+          </a:fillRef>
+          <a:effectRef idx="0">
+            <a:schemeClr val="accent1"/>
+          </a:effectRef>
+          <a:fontRef idx="minor">
+            <a:schemeClr val="tx1"/>
+          </a:fontRef>
+        </p:style>
+      </p:cxnSp>
+      <p:cxnSp>
+        <p:nvCxnSpPr>
+          <p:cNvPr id="69" name="직선 화살표 연결선 68">
+            <a:extLst>
+              <a:ext uri="{FF2B5EF4-FFF2-40B4-BE49-F238E27FC236}">
+                <a16:creationId xmlns:a16="http://schemas.microsoft.com/office/drawing/2014/main" id="{20AB56BA-A926-4060-B317-AFDBD7089B76}"/>
+              </a:ext>
+            </a:extLst>
+          </p:cNvPr>
+          <p:cNvCxnSpPr>
+            <a:cxnSpLocks/>
+          </p:cNvCxnSpPr>
+          <p:nvPr/>
+        </p:nvCxnSpPr>
+        <p:spPr>
+          <a:xfrm>
+            <a:off x="10033785" y="6607275"/>
+            <a:ext cx="654489" cy="0"/>
+          </a:xfrm>
+          <a:prstGeom prst="straightConnector1">
+            <a:avLst/>
+          </a:prstGeom>
+          <a:ln w="38100">
+            <a:solidFill>
+              <a:srgbClr val="002060"/>
+            </a:solidFill>
+            <a:prstDash val="sysDash"/>
+            <a:tailEnd type="triangle"/>
+          </a:ln>
+        </p:spPr>
+        <p:style>
+          <a:lnRef idx="1">
+            <a:schemeClr val="accent1"/>
+          </a:lnRef>
+          <a:fillRef idx="0">
+            <a:schemeClr val="accent1"/>
+          </a:fillRef>
+          <a:effectRef idx="0">
+            <a:schemeClr val="accent1"/>
+          </a:effectRef>
+          <a:fontRef idx="minor">
+            <a:schemeClr val="tx1"/>
+          </a:fontRef>
+        </p:style>
+      </p:cxnSp>
+      <p:sp>
+        <p:nvSpPr>
+          <p:cNvPr id="70" name="TextBox 69">
+            <a:extLst>
+              <a:ext uri="{FF2B5EF4-FFF2-40B4-BE49-F238E27FC236}">
+                <a16:creationId xmlns:a16="http://schemas.microsoft.com/office/drawing/2014/main" id="{316B341E-4714-473E-B203-CD405204236E}"/>
+              </a:ext>
+            </a:extLst>
+          </p:cNvPr>
+          <p:cNvSpPr txBox="1"/>
+          <p:nvPr/>
+        </p:nvSpPr>
+        <p:spPr>
+          <a:xfrm>
+            <a:off x="10688274" y="5862408"/>
+            <a:ext cx="998102" cy="923330"/>
+          </a:xfrm>
+          <a:prstGeom prst="rect">
+            <a:avLst/>
+          </a:prstGeom>
+          <a:noFill/>
+        </p:spPr>
+        <p:txBody>
+          <a:bodyPr wrap="square" rtlCol="0">
+            <a:spAutoFit/>
+          </a:bodyPr>
+          <a:lstStyle/>
+          <a:p>
+            <a:r>
+              <a:rPr lang="en-US" altLang="ko-KR" b="1" dirty="0"/>
+              <a:t>Path A</a:t>
+            </a:r>
+          </a:p>
+          <a:p>
+            <a:r>
+              <a:rPr lang="en-US" altLang="ko-KR" b="1" dirty="0"/>
+              <a:t>Path B</a:t>
+            </a:r>
+          </a:p>
+          <a:p>
+            <a:r>
+              <a:rPr lang="en-US" altLang="ko-KR" b="1" dirty="0"/>
+              <a:t>Path C</a:t>
+            </a:r>
+            <a:endParaRPr lang="ko-KR" altLang="en-US" b="1" dirty="0"/>
+          </a:p>
+        </p:txBody>
+      </p:sp>
+      <mc:AlternateContent xmlns:mc="http://schemas.openxmlformats.org/markup-compatibility/2006" xmlns:a14="http://schemas.microsoft.com/office/drawing/2010/main">
+        <mc:Choice Requires="a14">
+          <p:sp>
+            <p:nvSpPr>
+              <p:cNvPr id="73" name="TextBox 72">
+                <a:extLst>
+                  <a:ext uri="{FF2B5EF4-FFF2-40B4-BE49-F238E27FC236}">
+                    <a16:creationId xmlns:a16="http://schemas.microsoft.com/office/drawing/2014/main" id="{F39D86D5-2A20-4D6E-BA8E-A4FB252AFA38}"/>
+                  </a:ext>
+                </a:extLst>
+              </p:cNvPr>
+              <p:cNvSpPr txBox="1"/>
+              <p:nvPr/>
+            </p:nvSpPr>
+            <p:spPr>
+              <a:xfrm>
+                <a:off x="8979043" y="3162204"/>
+                <a:ext cx="1391729" cy="307777"/>
+              </a:xfrm>
+              <a:prstGeom prst="rect">
+                <a:avLst/>
+              </a:prstGeom>
+              <a:noFill/>
+            </p:spPr>
+            <p:txBody>
+              <a:bodyPr wrap="square" rtlCol="0">
+                <a:spAutoFit/>
+              </a:bodyPr>
+              <a:lstStyle/>
+              <a:p>
+                <a:pPr/>
+                <a14:m>
+                  <m:oMathPara xmlns:m="http://schemas.openxmlformats.org/officeDocument/2006/math">
+                    <m:oMathParaPr>
+                      <m:jc m:val="centerGroup"/>
+                    </m:oMathParaPr>
+                    <m:oMath xmlns:m="http://schemas.openxmlformats.org/officeDocument/2006/math">
+                      <m:r>
+                        <a:rPr lang="en-US" altLang="ko-KR" sz="1400" b="1" i="1" dirty="0" smtClean="0">
+                          <a:latin typeface="Cambria Math" panose="02040503050406030204" pitchFamily="18" charset="0"/>
+                        </a:rPr>
+                        <m:t>𝒕</m:t>
+                      </m:r>
+                      <m:r>
+                        <a:rPr lang="en-US" altLang="ko-KR" sz="1400" b="1" i="1" dirty="0" smtClean="0">
+                          <a:latin typeface="Cambria Math" panose="02040503050406030204" pitchFamily="18" charset="0"/>
+                        </a:rPr>
+                        <m:t>=</m:t>
+                      </m:r>
+                      <m:r>
+                        <a:rPr lang="en-US" altLang="ko-KR" sz="1400" b="1" i="1" dirty="0" smtClean="0">
+                          <a:latin typeface="Cambria Math" panose="02040503050406030204" pitchFamily="18" charset="0"/>
+                        </a:rPr>
+                        <m:t>𝟏</m:t>
+                      </m:r>
+                      <m:r>
+                        <a:rPr lang="en-US" altLang="ko-KR" sz="1400" b="1" i="1" dirty="0" smtClean="0">
+                          <a:latin typeface="Cambria Math" panose="02040503050406030204" pitchFamily="18" charset="0"/>
+                        </a:rPr>
+                        <m:t>,…,</m:t>
+                      </m:r>
+                      <m:r>
+                        <a:rPr lang="en-US" altLang="ko-KR" sz="1400" b="1" i="1" dirty="0" smtClean="0">
+                          <a:latin typeface="Cambria Math" panose="02040503050406030204" pitchFamily="18" charset="0"/>
+                        </a:rPr>
+                        <m:t>𝑻</m:t>
+                      </m:r>
+                    </m:oMath>
+                  </m:oMathPara>
+                </a14:m>
+                <a:endParaRPr lang="ko-KR" altLang="en-US" sz="1400" b="1" dirty="0"/>
+              </a:p>
+            </p:txBody>
+          </p:sp>
+        </mc:Choice>
+        <mc:Fallback xmlns="">
+          <p:sp>
+            <p:nvSpPr>
+              <p:cNvPr id="73" name="TextBox 72">
+                <a:extLst>
+                  <a:ext uri="{FF2B5EF4-FFF2-40B4-BE49-F238E27FC236}">
+                    <a16:creationId xmlns:a16="http://schemas.microsoft.com/office/drawing/2014/main" id="{F39D86D5-2A20-4D6E-BA8E-A4FB252AFA38}"/>
+                  </a:ext>
+                </a:extLst>
+              </p:cNvPr>
+              <p:cNvSpPr txBox="1">
+                <a:spLocks noRot="1" noChangeAspect="1" noMove="1" noResize="1" noEditPoints="1" noAdjustHandles="1" noChangeArrowheads="1" noChangeShapeType="1" noTextEdit="1"/>
+              </p:cNvSpPr>
+              <p:nvPr/>
+            </p:nvSpPr>
+            <p:spPr>
+              <a:xfrm>
+                <a:off x="8979043" y="3162204"/>
+                <a:ext cx="1391729" cy="307777"/>
+              </a:xfrm>
+              <a:prstGeom prst="rect">
+                <a:avLst/>
+              </a:prstGeom>
+              <a:blipFill>
+                <a:blip r:embed="rId23"/>
+                <a:stretch>
+                  <a:fillRect/>
+                </a:stretch>
+              </a:blipFill>
+            </p:spPr>
+            <p:txBody>
+              <a:bodyPr/>
+              <a:lstStyle/>
+              <a:p>
+                <a:r>
+                  <a:rPr lang="ko-KR" altLang="en-US">
+                    <a:noFill/>
+                  </a:rPr>
+                  <a:t> </a:t>
+                </a:r>
+              </a:p>
+            </p:txBody>
+          </p:sp>
+        </mc:Fallback>
+      </mc:AlternateContent>
+      <mc:AlternateContent xmlns:mc="http://schemas.openxmlformats.org/markup-compatibility/2006">
+        <mc:Choice xmlns:a14="http://schemas.microsoft.com/office/drawing/2010/main" Requires="a14">
+          <p:sp>
+            <p:nvSpPr>
+              <p:cNvPr id="65" name="TextBox 64">
+                <a:extLst>
+                  <a:ext uri="{FF2B5EF4-FFF2-40B4-BE49-F238E27FC236}">
+                    <a16:creationId xmlns:a16="http://schemas.microsoft.com/office/drawing/2014/main" id="{2550FBF8-6791-4456-B972-0C873B05560C}"/>
+                  </a:ext>
+                </a:extLst>
+              </p:cNvPr>
+              <p:cNvSpPr txBox="1"/>
+              <p:nvPr/>
+            </p:nvSpPr>
+            <p:spPr>
+              <a:xfrm>
+                <a:off x="1861894" y="4917969"/>
+                <a:ext cx="376989" cy="369332"/>
+              </a:xfrm>
+              <a:prstGeom prst="rect">
+                <a:avLst/>
+              </a:prstGeom>
+              <a:noFill/>
+            </p:spPr>
+            <p:txBody>
+              <a:bodyPr wrap="square" rtlCol="0">
+                <a:spAutoFit/>
+              </a:bodyPr>
+              <a:lstStyle/>
+              <a:p>
+                <a:pPr/>
+                <a14:m>
+                  <m:oMathPara xmlns:m="http://schemas.openxmlformats.org/officeDocument/2006/math">
+                    <m:oMathParaPr>
+                      <m:jc m:val="centerGroup"/>
+                    </m:oMathParaPr>
+                    <m:oMath xmlns:m="http://schemas.openxmlformats.org/officeDocument/2006/math">
+                      <m:r>
+                        <a:rPr lang="en-US" altLang="ko-KR" b="0" i="1" smtClean="0">
+                          <a:latin typeface="Cambria Math" panose="02040503050406030204" pitchFamily="18" charset="0"/>
+                        </a:rPr>
+                        <m:t>𝜙</m:t>
+                      </m:r>
+                    </m:oMath>
+                  </m:oMathPara>
+                </a14:m>
+                <a:endParaRPr lang="ko-KR" altLang="en-US" dirty="0"/>
+              </a:p>
+            </p:txBody>
+          </p:sp>
+        </mc:Choice>
+        <mc:Fallback>
+          <p:sp>
+            <p:nvSpPr>
+              <p:cNvPr id="65" name="TextBox 64">
+                <a:extLst>
+                  <a:ext uri="{FF2B5EF4-FFF2-40B4-BE49-F238E27FC236}">
+                    <a16:creationId xmlns:a16="http://schemas.microsoft.com/office/drawing/2014/main" id="{2550FBF8-6791-4456-B972-0C873B05560C}"/>
+                  </a:ext>
+                </a:extLst>
+              </p:cNvPr>
+              <p:cNvSpPr txBox="1">
+                <a:spLocks noRot="1" noChangeAspect="1" noMove="1" noResize="1" noEditPoints="1" noAdjustHandles="1" noChangeArrowheads="1" noChangeShapeType="1" noTextEdit="1"/>
+              </p:cNvSpPr>
+              <p:nvPr/>
+            </p:nvSpPr>
+            <p:spPr>
+              <a:xfrm>
+                <a:off x="1861894" y="4917969"/>
+                <a:ext cx="376989" cy="369332"/>
+              </a:xfrm>
+              <a:prstGeom prst="rect">
+                <a:avLst/>
+              </a:prstGeom>
+              <a:blipFill>
+                <a:blip r:embed="rId24"/>
+                <a:stretch>
+                  <a:fillRect b="-16667"/>
+                </a:stretch>
+              </a:blipFill>
+            </p:spPr>
+            <p:txBody>
+              <a:bodyPr/>
+              <a:lstStyle/>
+              <a:p>
+                <a:r>
+                  <a:rPr lang="ko-KR" altLang="en-US">
+                    <a:noFill/>
+                  </a:rPr>
+                  <a:t> </a:t>
+                </a:r>
+              </a:p>
+            </p:txBody>
+          </p:sp>
+        </mc:Fallback>
+      </mc:AlternateContent>
+      <p:cxnSp>
+        <p:nvCxnSpPr>
+          <p:cNvPr id="67" name="연결선: 꺾임 42">
+            <a:extLst>
+              <a:ext uri="{FF2B5EF4-FFF2-40B4-BE49-F238E27FC236}">
+                <a16:creationId xmlns:a16="http://schemas.microsoft.com/office/drawing/2014/main" id="{80BDA0D4-BFEB-4D2B-8B14-87FEAF409E3D}"/>
+              </a:ext>
+            </a:extLst>
+          </p:cNvPr>
+          <p:cNvCxnSpPr>
+            <a:cxnSpLocks/>
+            <a:stCxn id="47" idx="6"/>
+            <a:endCxn id="48" idx="6"/>
+          </p:cNvCxnSpPr>
+          <p:nvPr/>
+        </p:nvCxnSpPr>
+        <p:spPr>
+          <a:xfrm>
+            <a:off x="2928221" y="677679"/>
+            <a:ext cx="338837" cy="1781047"/>
+          </a:xfrm>
+          <a:prstGeom prst="curvedConnector3">
+            <a:avLst>
+              <a:gd name="adj1" fmla="val 167466"/>
+            </a:avLst>
+          </a:prstGeom>
+          <a:ln w="38100">
+            <a:solidFill>
+              <a:srgbClr val="002060"/>
+            </a:solidFill>
+            <a:prstDash val="dash"/>
+            <a:tailEnd type="triangle"/>
+          </a:ln>
+        </p:spPr>
+        <p:style>
+          <a:lnRef idx="1">
+            <a:schemeClr val="accent1"/>
+          </a:lnRef>
+          <a:fillRef idx="0">
+            <a:schemeClr val="accent1"/>
+          </a:fillRef>
+          <a:effectRef idx="0">
+            <a:schemeClr val="accent1"/>
+          </a:effectRef>
+          <a:fontRef idx="minor">
+            <a:schemeClr val="tx1"/>
+          </a:fontRef>
+        </p:style>
+      </p:cxnSp>
+      <mc:AlternateContent xmlns:mc="http://schemas.openxmlformats.org/markup-compatibility/2006">
+        <mc:Choice xmlns:a14="http://schemas.microsoft.com/office/drawing/2010/main" Requires="a14">
+          <p:sp>
+            <p:nvSpPr>
+              <p:cNvPr id="74" name="TextBox 73">
+                <a:extLst>
+                  <a:ext uri="{FF2B5EF4-FFF2-40B4-BE49-F238E27FC236}">
+                    <a16:creationId xmlns:a16="http://schemas.microsoft.com/office/drawing/2014/main" id="{0C389452-59E8-4099-86F6-5E445130C075}"/>
+                  </a:ext>
+                </a:extLst>
+              </p:cNvPr>
+              <p:cNvSpPr txBox="1"/>
+              <p:nvPr/>
+            </p:nvSpPr>
+            <p:spPr>
+              <a:xfrm>
+                <a:off x="1579608" y="2554474"/>
+                <a:ext cx="376989" cy="369332"/>
+              </a:xfrm>
+              <a:prstGeom prst="rect">
+                <a:avLst/>
+              </a:prstGeom>
+              <a:noFill/>
+            </p:spPr>
+            <p:txBody>
+              <a:bodyPr wrap="square" rtlCol="0">
+                <a:spAutoFit/>
+              </a:bodyPr>
+              <a:lstStyle/>
+              <a:p>
+                <a:pPr/>
+                <a14:m>
+                  <m:oMathPara xmlns:m="http://schemas.openxmlformats.org/officeDocument/2006/math">
+                    <m:oMathParaPr>
+                      <m:jc m:val="centerGroup"/>
+                    </m:oMathParaPr>
+                    <m:oMath xmlns:m="http://schemas.openxmlformats.org/officeDocument/2006/math">
+                      <m:r>
+                        <a:rPr lang="en-US" altLang="ko-KR" b="0" i="1" smtClean="0">
+                          <a:latin typeface="Cambria Math" panose="02040503050406030204" pitchFamily="18" charset="0"/>
+                        </a:rPr>
+                        <m:t>𝜃</m:t>
+                      </m:r>
+                    </m:oMath>
+                  </m:oMathPara>
+                </a14:m>
+                <a:endParaRPr lang="ko-KR" altLang="en-US" dirty="0"/>
+              </a:p>
+            </p:txBody>
+          </p:sp>
+        </mc:Choice>
+        <mc:Fallback>
+          <p:sp>
+            <p:nvSpPr>
+              <p:cNvPr id="74" name="TextBox 73">
+                <a:extLst>
+                  <a:ext uri="{FF2B5EF4-FFF2-40B4-BE49-F238E27FC236}">
+                    <a16:creationId xmlns:a16="http://schemas.microsoft.com/office/drawing/2014/main" id="{0C389452-59E8-4099-86F6-5E445130C075}"/>
+                  </a:ext>
+                </a:extLst>
+              </p:cNvPr>
+              <p:cNvSpPr txBox="1">
+                <a:spLocks noRot="1" noChangeAspect="1" noMove="1" noResize="1" noEditPoints="1" noAdjustHandles="1" noChangeArrowheads="1" noChangeShapeType="1" noTextEdit="1"/>
+              </p:cNvSpPr>
+              <p:nvPr/>
+            </p:nvSpPr>
+            <p:spPr>
+              <a:xfrm>
+                <a:off x="1579608" y="2554474"/>
+                <a:ext cx="376989" cy="369332"/>
+              </a:xfrm>
+              <a:prstGeom prst="rect">
+                <a:avLst/>
+              </a:prstGeom>
+              <a:blipFill>
+                <a:blip r:embed="rId25"/>
+                <a:stretch>
+                  <a:fillRect/>
+                </a:stretch>
+              </a:blipFill>
+            </p:spPr>
+            <p:txBody>
+              <a:bodyPr/>
+              <a:lstStyle/>
+              <a:p>
+                <a:r>
+                  <a:rPr lang="ko-KR" altLang="en-US">
+                    <a:noFill/>
+                  </a:rPr>
+                  <a:t> </a:t>
+                </a:r>
+              </a:p>
+            </p:txBody>
+          </p:sp>
+        </mc:Fallback>
+      </mc:AlternateContent>
+      <mc:AlternateContent xmlns:mc="http://schemas.openxmlformats.org/markup-compatibility/2006">
+        <mc:Choice xmlns:a14="http://schemas.microsoft.com/office/drawing/2010/main" Requires="a14">
+          <p:sp>
+            <p:nvSpPr>
+              <p:cNvPr id="98" name="타원 97">
+                <a:extLst>
+                  <a:ext uri="{FF2B5EF4-FFF2-40B4-BE49-F238E27FC236}">
+                    <a16:creationId xmlns:a16="http://schemas.microsoft.com/office/drawing/2014/main" id="{E488DF0C-E2B2-4BBA-B053-AB04016FCC5E}"/>
+                  </a:ext>
+                </a:extLst>
+              </p:cNvPr>
+              <p:cNvSpPr/>
+              <p:nvPr/>
+            </p:nvSpPr>
+            <p:spPr>
+              <a:xfrm>
+                <a:off x="4418831" y="3437054"/>
+                <a:ext cx="717755" cy="717755"/>
+              </a:xfrm>
+              <a:prstGeom prst="ellipse">
+                <a:avLst/>
+              </a:prstGeom>
+            </p:spPr>
+            <p:style>
+              <a:lnRef idx="2">
+                <a:schemeClr val="accent1">
+                  <a:shade val="50000"/>
+                </a:schemeClr>
+              </a:lnRef>
+              <a:fillRef idx="1">
+                <a:schemeClr val="accent1"/>
+              </a:fillRef>
+              <a:effectRef idx="0">
+                <a:schemeClr val="accent1"/>
+              </a:effectRef>
+              <a:fontRef idx="minor">
+                <a:schemeClr val="lt1"/>
+              </a:fontRef>
+            </p:style>
+            <p:txBody>
+              <a:bodyPr rtlCol="0" anchor="ctr"/>
+              <a:lstStyle/>
+              <a:p>
+                <a:pPr algn="ctr"/>
+                <a14:m>
+                  <m:oMath xmlns:m="http://schemas.openxmlformats.org/officeDocument/2006/math">
+                    <m:sSub>
+                      <m:sSubPr>
+                        <m:ctrlPr>
+                          <a:rPr lang="en-US" altLang="ko-KR" b="0" i="1" smtClean="0">
+                            <a:latin typeface="Cambria Math" panose="02040503050406030204" pitchFamily="18" charset="0"/>
+                          </a:rPr>
+                        </m:ctrlPr>
+                      </m:sSubPr>
+                      <m:e>
+                        <m:r>
+                          <a:rPr lang="en-US" altLang="ko-KR" b="0" i="1" smtClean="0">
+                            <a:latin typeface="Cambria Math" panose="02040503050406030204" pitchFamily="18" charset="0"/>
+                          </a:rPr>
+                          <m:t>𝑍</m:t>
+                        </m:r>
+                      </m:e>
+                      <m:sub>
+                        <m:r>
+                          <a:rPr lang="en-US" altLang="ko-KR" b="0" i="1" smtClean="0">
+                            <a:latin typeface="Cambria Math" panose="02040503050406030204" pitchFamily="18" charset="0"/>
+                          </a:rPr>
+                          <m:t>𝑝𝑟𝑖</m:t>
+                        </m:r>
+                      </m:sub>
+                    </m:sSub>
+                  </m:oMath>
+                </a14:m>
+                <a:r>
+                  <a:rPr lang="ko-KR" altLang="en-US" dirty="0"/>
+                  <a:t> </a:t>
+                </a:r>
+              </a:p>
+            </p:txBody>
+          </p:sp>
+        </mc:Choice>
+        <mc:Fallback>
+          <p:sp>
+            <p:nvSpPr>
+              <p:cNvPr id="98" name="타원 97">
+                <a:extLst>
+                  <a:ext uri="{FF2B5EF4-FFF2-40B4-BE49-F238E27FC236}">
+                    <a16:creationId xmlns:a16="http://schemas.microsoft.com/office/drawing/2014/main" id="{E488DF0C-E2B2-4BBA-B053-AB04016FCC5E}"/>
+                  </a:ext>
+                </a:extLst>
+              </p:cNvPr>
+              <p:cNvSpPr>
+                <a:spLocks noRot="1" noChangeAspect="1" noMove="1" noResize="1" noEditPoints="1" noAdjustHandles="1" noChangeArrowheads="1" noChangeShapeType="1" noTextEdit="1"/>
+              </p:cNvSpPr>
+              <p:nvPr/>
+            </p:nvSpPr>
+            <p:spPr>
+              <a:xfrm>
+                <a:off x="4418831" y="3437054"/>
+                <a:ext cx="717755" cy="717755"/>
+              </a:xfrm>
+              <a:prstGeom prst="ellipse">
+                <a:avLst/>
+              </a:prstGeom>
+              <a:blipFill>
+                <a:blip r:embed="rId26"/>
+                <a:stretch>
+                  <a:fillRect/>
+                </a:stretch>
+              </a:blipFill>
+            </p:spPr>
+            <p:txBody>
+              <a:bodyPr/>
+              <a:lstStyle/>
+              <a:p>
+                <a:r>
+                  <a:rPr lang="ko-KR" altLang="en-US">
+                    <a:noFill/>
+                  </a:rPr>
+                  <a:t> </a:t>
+                </a:r>
+              </a:p>
+            </p:txBody>
+          </p:sp>
+        </mc:Fallback>
+      </mc:AlternateContent>
+      <mc:AlternateContent xmlns:mc="http://schemas.openxmlformats.org/markup-compatibility/2006">
+        <mc:Choice xmlns:a14="http://schemas.microsoft.com/office/drawing/2010/main" Requires="a14">
+          <p:sp>
+            <p:nvSpPr>
+              <p:cNvPr id="99" name="타원 98">
+                <a:extLst>
+                  <a:ext uri="{FF2B5EF4-FFF2-40B4-BE49-F238E27FC236}">
+                    <a16:creationId xmlns:a16="http://schemas.microsoft.com/office/drawing/2014/main" id="{A1496951-1770-4E07-9D2D-085FD74F5CB1}"/>
+                  </a:ext>
+                </a:extLst>
+              </p:cNvPr>
+              <p:cNvSpPr/>
+              <p:nvPr/>
+            </p:nvSpPr>
+            <p:spPr>
+              <a:xfrm>
+                <a:off x="6010454" y="5663846"/>
+                <a:ext cx="717755" cy="717755"/>
+              </a:xfrm>
+              <a:prstGeom prst="ellipse">
+                <a:avLst/>
+              </a:prstGeom>
+            </p:spPr>
+            <p:style>
+              <a:lnRef idx="2">
+                <a:schemeClr val="accent1">
+                  <a:shade val="50000"/>
+                </a:schemeClr>
+              </a:lnRef>
+              <a:fillRef idx="1">
+                <a:schemeClr val="accent1"/>
+              </a:fillRef>
+              <a:effectRef idx="0">
+                <a:schemeClr val="accent1"/>
+              </a:effectRef>
+              <a:fontRef idx="minor">
+                <a:schemeClr val="lt1"/>
+              </a:fontRef>
+            </p:style>
+            <p:txBody>
+              <a:bodyPr rtlCol="0" anchor="ctr"/>
+              <a:lstStyle/>
+              <a:p>
+                <a:pPr algn="ctr"/>
+                <a:r>
+                  <a:rPr lang="en-US" altLang="ko-KR" b="0" dirty="0"/>
+                  <a:t> </a:t>
+                </a:r>
+                <a14:m>
+                  <m:oMath xmlns:m="http://schemas.openxmlformats.org/officeDocument/2006/math">
+                    <m:r>
+                      <a:rPr lang="en-US" altLang="ko-KR" b="0" i="1" smtClean="0">
+                        <a:latin typeface="Cambria Math" panose="02040503050406030204" pitchFamily="18" charset="0"/>
+                      </a:rPr>
+                      <m:t>𝑌</m:t>
+                    </m:r>
+                  </m:oMath>
+                </a14:m>
+                <a:r>
+                  <a:rPr lang="ko-KR" altLang="en-US" dirty="0"/>
+                  <a:t> </a:t>
+                </a:r>
+              </a:p>
+            </p:txBody>
+          </p:sp>
+        </mc:Choice>
+        <mc:Fallback>
+          <p:sp>
+            <p:nvSpPr>
+              <p:cNvPr id="99" name="타원 98">
+                <a:extLst>
+                  <a:ext uri="{FF2B5EF4-FFF2-40B4-BE49-F238E27FC236}">
+                    <a16:creationId xmlns:a16="http://schemas.microsoft.com/office/drawing/2014/main" id="{A1496951-1770-4E07-9D2D-085FD74F5CB1}"/>
+                  </a:ext>
+                </a:extLst>
+              </p:cNvPr>
+              <p:cNvSpPr>
+                <a:spLocks noRot="1" noChangeAspect="1" noMove="1" noResize="1" noEditPoints="1" noAdjustHandles="1" noChangeArrowheads="1" noChangeShapeType="1" noTextEdit="1"/>
+              </p:cNvSpPr>
+              <p:nvPr/>
+            </p:nvSpPr>
+            <p:spPr>
+              <a:xfrm>
+                <a:off x="6010454" y="5663846"/>
+                <a:ext cx="717755" cy="717755"/>
+              </a:xfrm>
+              <a:prstGeom prst="ellipse">
+                <a:avLst/>
+              </a:prstGeom>
+              <a:blipFill>
+                <a:blip r:embed="rId27"/>
+                <a:stretch>
+                  <a:fillRect/>
+                </a:stretch>
+              </a:blipFill>
+            </p:spPr>
+            <p:txBody>
+              <a:bodyPr/>
+              <a:lstStyle/>
+              <a:p>
+                <a:r>
+                  <a:rPr lang="ko-KR" altLang="en-US">
+                    <a:noFill/>
+                  </a:rPr>
+                  <a:t> </a:t>
+                </a:r>
+              </a:p>
+            </p:txBody>
+          </p:sp>
+        </mc:Fallback>
+      </mc:AlternateContent>
+      <mc:AlternateContent xmlns:mc="http://schemas.openxmlformats.org/markup-compatibility/2006">
+        <mc:Choice xmlns:a14="http://schemas.microsoft.com/office/drawing/2010/main" Requires="a14">
+          <p:sp>
+            <p:nvSpPr>
+              <p:cNvPr id="101" name="타원 100">
+                <a:extLst>
+                  <a:ext uri="{FF2B5EF4-FFF2-40B4-BE49-F238E27FC236}">
+                    <a16:creationId xmlns:a16="http://schemas.microsoft.com/office/drawing/2014/main" id="{E3226F1C-D471-4AE4-A306-B65A8F0DF1F6}"/>
+                  </a:ext>
+                </a:extLst>
+              </p:cNvPr>
+              <p:cNvSpPr/>
+              <p:nvPr/>
+            </p:nvSpPr>
+            <p:spPr>
+              <a:xfrm>
+                <a:off x="3984220" y="5102635"/>
+                <a:ext cx="717755" cy="717755"/>
+              </a:xfrm>
+              <a:prstGeom prst="ellipse">
+                <a:avLst/>
+              </a:prstGeom>
+            </p:spPr>
+            <p:style>
+              <a:lnRef idx="2">
+                <a:schemeClr val="accent1">
+                  <a:shade val="50000"/>
+                </a:schemeClr>
+              </a:lnRef>
+              <a:fillRef idx="1">
+                <a:schemeClr val="accent1"/>
+              </a:fillRef>
+              <a:effectRef idx="0">
+                <a:schemeClr val="accent1"/>
+              </a:effectRef>
+              <a:fontRef idx="minor">
+                <a:schemeClr val="lt1"/>
+              </a:fontRef>
+            </p:style>
+            <p:txBody>
+              <a:bodyPr rtlCol="0" anchor="ctr"/>
+              <a:lstStyle/>
+              <a:p>
+                <a:pPr algn="ctr"/>
+                <a14:m>
+                  <m:oMath xmlns:m="http://schemas.openxmlformats.org/officeDocument/2006/math">
+                    <m:r>
+                      <a:rPr lang="en-US" altLang="ko-KR" i="1" dirty="0" smtClean="0">
+                        <a:latin typeface="Cambria Math" panose="02040503050406030204" pitchFamily="18" charset="0"/>
+                      </a:rPr>
+                      <m:t>𝑋</m:t>
+                    </m:r>
+                  </m:oMath>
+                </a14:m>
+                <a:r>
+                  <a:rPr lang="ko-KR" altLang="en-US" dirty="0"/>
+                  <a:t> </a:t>
+                </a:r>
+              </a:p>
+            </p:txBody>
+          </p:sp>
+        </mc:Choice>
+        <mc:Fallback>
+          <p:sp>
+            <p:nvSpPr>
+              <p:cNvPr id="101" name="타원 100">
+                <a:extLst>
+                  <a:ext uri="{FF2B5EF4-FFF2-40B4-BE49-F238E27FC236}">
+                    <a16:creationId xmlns:a16="http://schemas.microsoft.com/office/drawing/2014/main" id="{E3226F1C-D471-4AE4-A306-B65A8F0DF1F6}"/>
+                  </a:ext>
+                </a:extLst>
+              </p:cNvPr>
+              <p:cNvSpPr>
+                <a:spLocks noRot="1" noChangeAspect="1" noMove="1" noResize="1" noEditPoints="1" noAdjustHandles="1" noChangeArrowheads="1" noChangeShapeType="1" noTextEdit="1"/>
+              </p:cNvSpPr>
+              <p:nvPr/>
+            </p:nvSpPr>
+            <p:spPr>
+              <a:xfrm>
+                <a:off x="3984220" y="5102635"/>
+                <a:ext cx="717755" cy="717755"/>
+              </a:xfrm>
+              <a:prstGeom prst="ellipse">
+                <a:avLst/>
+              </a:prstGeom>
+              <a:blipFill>
+                <a:blip r:embed="rId28"/>
+                <a:stretch>
+                  <a:fillRect/>
+                </a:stretch>
+              </a:blipFill>
+            </p:spPr>
+            <p:txBody>
+              <a:bodyPr/>
+              <a:lstStyle/>
+              <a:p>
+                <a:r>
+                  <a:rPr lang="ko-KR" altLang="en-US">
+                    <a:noFill/>
+                  </a:rPr>
+                  <a:t> </a:t>
+                </a:r>
+              </a:p>
+            </p:txBody>
+          </p:sp>
+        </mc:Fallback>
+      </mc:AlternateContent>
+      <p:cxnSp>
+        <p:nvCxnSpPr>
+          <p:cNvPr id="102" name="직선 화살표 연결선 101">
+            <a:extLst>
+              <a:ext uri="{FF2B5EF4-FFF2-40B4-BE49-F238E27FC236}">
+                <a16:creationId xmlns:a16="http://schemas.microsoft.com/office/drawing/2014/main" id="{94834DD0-A717-46E4-A0B1-C564DCDA235C}"/>
+              </a:ext>
+            </a:extLst>
+          </p:cNvPr>
+          <p:cNvCxnSpPr>
+            <a:cxnSpLocks/>
+            <a:stCxn id="101" idx="7"/>
+            <a:endCxn id="98" idx="4"/>
+          </p:cNvCxnSpPr>
+          <p:nvPr/>
+        </p:nvCxnSpPr>
+        <p:spPr>
+          <a:xfrm flipV="1">
+            <a:off x="4596862" y="4154809"/>
+            <a:ext cx="180847" cy="1052939"/>
+          </a:xfrm>
+          <a:prstGeom prst="straightConnector1">
+            <a:avLst/>
+          </a:prstGeom>
+          <a:ln w="38100">
+            <a:solidFill>
+              <a:srgbClr val="002060"/>
+            </a:solidFill>
+            <a:tailEnd type="triangle"/>
+          </a:ln>
+        </p:spPr>
+        <p:style>
+          <a:lnRef idx="1">
+            <a:schemeClr val="accent1"/>
+          </a:lnRef>
+          <a:fillRef idx="0">
+            <a:schemeClr val="accent1"/>
+          </a:fillRef>
+          <a:effectRef idx="0">
+            <a:schemeClr val="accent1"/>
+          </a:effectRef>
+          <a:fontRef idx="minor">
+            <a:schemeClr val="tx1"/>
+          </a:fontRef>
+        </p:style>
+      </p:cxnSp>
+      <mc:AlternateContent xmlns:mc="http://schemas.openxmlformats.org/markup-compatibility/2006">
+        <mc:Choice xmlns:a14="http://schemas.microsoft.com/office/drawing/2010/main" Requires="a14">
+          <p:sp>
+            <p:nvSpPr>
+              <p:cNvPr id="103" name="TextBox 102">
+                <a:extLst>
+                  <a:ext uri="{FF2B5EF4-FFF2-40B4-BE49-F238E27FC236}">
+                    <a16:creationId xmlns:a16="http://schemas.microsoft.com/office/drawing/2014/main" id="{36486886-B9C1-421B-9C83-0A53D658BC00}"/>
+                  </a:ext>
+                </a:extLst>
+              </p:cNvPr>
+              <p:cNvSpPr txBox="1"/>
+              <p:nvPr/>
+            </p:nvSpPr>
+            <p:spPr>
+              <a:xfrm>
+                <a:off x="4401422" y="4374426"/>
+                <a:ext cx="376989" cy="369332"/>
+              </a:xfrm>
+              <a:prstGeom prst="rect">
+                <a:avLst/>
+              </a:prstGeom>
+              <a:noFill/>
+            </p:spPr>
+            <p:txBody>
+              <a:bodyPr wrap="square" rtlCol="0">
+                <a:spAutoFit/>
+              </a:bodyPr>
+              <a:lstStyle/>
+              <a:p>
+                <a:pPr/>
+                <a14:m>
+                  <m:oMathPara xmlns:m="http://schemas.openxmlformats.org/officeDocument/2006/math">
+                    <m:oMathParaPr>
+                      <m:jc m:val="centerGroup"/>
+                    </m:oMathParaPr>
+                    <m:oMath xmlns:m="http://schemas.openxmlformats.org/officeDocument/2006/math">
+                      <m:r>
+                        <a:rPr lang="en-US" altLang="ko-KR" b="0" i="1" smtClean="0">
+                          <a:latin typeface="Cambria Math" panose="02040503050406030204" pitchFamily="18" charset="0"/>
+                        </a:rPr>
+                        <m:t>𝜙</m:t>
+                      </m:r>
+                    </m:oMath>
+                  </m:oMathPara>
+                </a14:m>
+                <a:endParaRPr lang="ko-KR" altLang="en-US" dirty="0"/>
+              </a:p>
+            </p:txBody>
+          </p:sp>
+        </mc:Choice>
+        <mc:Fallback>
+          <p:sp>
+            <p:nvSpPr>
+              <p:cNvPr id="103" name="TextBox 102">
+                <a:extLst>
+                  <a:ext uri="{FF2B5EF4-FFF2-40B4-BE49-F238E27FC236}">
+                    <a16:creationId xmlns:a16="http://schemas.microsoft.com/office/drawing/2014/main" id="{36486886-B9C1-421B-9C83-0A53D658BC00}"/>
+                  </a:ext>
+                </a:extLst>
+              </p:cNvPr>
+              <p:cNvSpPr txBox="1">
+                <a:spLocks noRot="1" noChangeAspect="1" noMove="1" noResize="1" noEditPoints="1" noAdjustHandles="1" noChangeArrowheads="1" noChangeShapeType="1" noTextEdit="1"/>
+              </p:cNvSpPr>
+              <p:nvPr/>
+            </p:nvSpPr>
+            <p:spPr>
+              <a:xfrm>
+                <a:off x="4401422" y="4374426"/>
+                <a:ext cx="376989" cy="369332"/>
+              </a:xfrm>
+              <a:prstGeom prst="rect">
+                <a:avLst/>
+              </a:prstGeom>
+              <a:blipFill>
+                <a:blip r:embed="rId29"/>
+                <a:stretch>
+                  <a:fillRect b="-16667"/>
+                </a:stretch>
+              </a:blipFill>
+            </p:spPr>
+            <p:txBody>
+              <a:bodyPr/>
+              <a:lstStyle/>
+              <a:p>
+                <a:r>
+                  <a:rPr lang="ko-KR" altLang="en-US">
+                    <a:noFill/>
+                  </a:rPr>
+                  <a:t> </a:t>
+                </a:r>
+              </a:p>
+            </p:txBody>
+          </p:sp>
+        </mc:Fallback>
+      </mc:AlternateContent>
+      <p:cxnSp>
+        <p:nvCxnSpPr>
+          <p:cNvPr id="104" name="연결선: 꺾임 42">
+            <a:extLst>
+              <a:ext uri="{FF2B5EF4-FFF2-40B4-BE49-F238E27FC236}">
+                <a16:creationId xmlns:a16="http://schemas.microsoft.com/office/drawing/2014/main" id="{A6448AFF-9607-4F71-8C14-B1BA17413B82}"/>
+              </a:ext>
+            </a:extLst>
+          </p:cNvPr>
+          <p:cNvCxnSpPr>
+            <a:cxnSpLocks/>
+            <a:stCxn id="101" idx="4"/>
+            <a:endCxn id="99" idx="3"/>
+          </p:cNvCxnSpPr>
+          <p:nvPr/>
+        </p:nvCxnSpPr>
+        <p:spPr>
+          <a:xfrm rot="16200000" flipH="1">
+            <a:off x="5001283" y="5162204"/>
+            <a:ext cx="456098" cy="1772469"/>
+          </a:xfrm>
+          <a:prstGeom prst="curvedConnector3">
+            <a:avLst>
+              <a:gd name="adj1" fmla="val 173167"/>
+            </a:avLst>
+          </a:prstGeom>
+          <a:ln w="38100">
+            <a:solidFill>
+              <a:srgbClr val="002060"/>
+            </a:solidFill>
+            <a:prstDash val="dash"/>
+            <a:tailEnd type="triangle"/>
+          </a:ln>
+        </p:spPr>
+        <p:style>
+          <a:lnRef idx="1">
+            <a:schemeClr val="accent1"/>
+          </a:lnRef>
+          <a:fillRef idx="0">
+            <a:schemeClr val="accent1"/>
+          </a:fillRef>
+          <a:effectRef idx="0">
+            <a:schemeClr val="accent1"/>
+          </a:effectRef>
+          <a:fontRef idx="minor">
+            <a:schemeClr val="tx1"/>
+          </a:fontRef>
+        </p:style>
+      </p:cxnSp>
+      <mc:AlternateContent xmlns:mc="http://schemas.openxmlformats.org/markup-compatibility/2006">
+        <mc:Choice xmlns:a14="http://schemas.microsoft.com/office/drawing/2010/main" Requires="a14">
+          <p:sp>
+            <p:nvSpPr>
+              <p:cNvPr id="105" name="TextBox 104">
+                <a:extLst>
+                  <a:ext uri="{FF2B5EF4-FFF2-40B4-BE49-F238E27FC236}">
+                    <a16:creationId xmlns:a16="http://schemas.microsoft.com/office/drawing/2014/main" id="{C54C4000-8E6F-4D9E-80A3-5168B0248D1D}"/>
+                  </a:ext>
+                </a:extLst>
+              </p:cNvPr>
+              <p:cNvSpPr txBox="1"/>
+              <p:nvPr/>
+            </p:nvSpPr>
+            <p:spPr>
+              <a:xfrm>
+                <a:off x="6900184" y="4733303"/>
+                <a:ext cx="376989" cy="369332"/>
+              </a:xfrm>
+              <a:prstGeom prst="rect">
+                <a:avLst/>
+              </a:prstGeom>
+              <a:noFill/>
+            </p:spPr>
+            <p:txBody>
+              <a:bodyPr wrap="square" rtlCol="0">
+                <a:spAutoFit/>
+              </a:bodyPr>
+              <a:lstStyle/>
+              <a:p>
+                <a:pPr/>
+                <a14:m>
+                  <m:oMathPara xmlns:m="http://schemas.openxmlformats.org/officeDocument/2006/math">
+                    <m:oMathParaPr>
+                      <m:jc m:val="centerGroup"/>
+                    </m:oMathParaPr>
+                    <m:oMath xmlns:m="http://schemas.openxmlformats.org/officeDocument/2006/math">
+                      <m:r>
+                        <a:rPr lang="en-US" altLang="ko-KR" b="0" i="1" smtClean="0">
+                          <a:latin typeface="Cambria Math" panose="02040503050406030204" pitchFamily="18" charset="0"/>
+                        </a:rPr>
+                        <m:t>𝜃</m:t>
+                      </m:r>
+                    </m:oMath>
+                  </m:oMathPara>
+                </a14:m>
+                <a:endParaRPr lang="ko-KR" altLang="en-US" dirty="0"/>
+              </a:p>
+            </p:txBody>
+          </p:sp>
+        </mc:Choice>
+        <mc:Fallback>
+          <p:sp>
+            <p:nvSpPr>
+              <p:cNvPr id="105" name="TextBox 104">
+                <a:extLst>
+                  <a:ext uri="{FF2B5EF4-FFF2-40B4-BE49-F238E27FC236}">
+                    <a16:creationId xmlns:a16="http://schemas.microsoft.com/office/drawing/2014/main" id="{C54C4000-8E6F-4D9E-80A3-5168B0248D1D}"/>
+                  </a:ext>
+                </a:extLst>
+              </p:cNvPr>
+              <p:cNvSpPr txBox="1">
+                <a:spLocks noRot="1" noChangeAspect="1" noMove="1" noResize="1" noEditPoints="1" noAdjustHandles="1" noChangeArrowheads="1" noChangeShapeType="1" noTextEdit="1"/>
+              </p:cNvSpPr>
+              <p:nvPr/>
+            </p:nvSpPr>
+            <p:spPr>
+              <a:xfrm>
+                <a:off x="6900184" y="4733303"/>
+                <a:ext cx="376989" cy="369332"/>
+              </a:xfrm>
+              <a:prstGeom prst="rect">
+                <a:avLst/>
+              </a:prstGeom>
+              <a:blipFill>
+                <a:blip r:embed="rId30"/>
+                <a:stretch>
+                  <a:fillRect/>
+                </a:stretch>
+              </a:blipFill>
+            </p:spPr>
+            <p:txBody>
+              <a:bodyPr/>
+              <a:lstStyle/>
+              <a:p>
+                <a:r>
+                  <a:rPr lang="ko-KR" altLang="en-US">
+                    <a:noFill/>
+                  </a:rPr>
+                  <a:t> </a:t>
+                </a:r>
+              </a:p>
+            </p:txBody>
+          </p:sp>
+        </mc:Fallback>
+      </mc:AlternateContent>
+      <mc:AlternateContent xmlns:mc="http://schemas.openxmlformats.org/markup-compatibility/2006">
+        <mc:Choice xmlns:a14="http://schemas.microsoft.com/office/drawing/2010/main" Requires="a14">
+          <p:sp>
+            <p:nvSpPr>
+              <p:cNvPr id="106" name="TextBox 105">
+                <a:extLst>
+                  <a:ext uri="{FF2B5EF4-FFF2-40B4-BE49-F238E27FC236}">
+                    <a16:creationId xmlns:a16="http://schemas.microsoft.com/office/drawing/2014/main" id="{655E1765-E82D-4985-840E-9841E3D84E74}"/>
+                  </a:ext>
+                </a:extLst>
+              </p:cNvPr>
+              <p:cNvSpPr txBox="1"/>
+              <p:nvPr/>
+            </p:nvSpPr>
+            <p:spPr>
+              <a:xfrm>
+                <a:off x="6078330" y="4792945"/>
+                <a:ext cx="376989" cy="369332"/>
+              </a:xfrm>
+              <a:prstGeom prst="rect">
+                <a:avLst/>
+              </a:prstGeom>
+              <a:noFill/>
+            </p:spPr>
+            <p:txBody>
+              <a:bodyPr wrap="square" rtlCol="0">
+                <a:spAutoFit/>
+              </a:bodyPr>
+              <a:lstStyle/>
+              <a:p>
+                <a:pPr/>
+                <a14:m>
+                  <m:oMathPara xmlns:m="http://schemas.openxmlformats.org/officeDocument/2006/math">
+                    <m:oMathParaPr>
+                      <m:jc m:val="centerGroup"/>
+                    </m:oMathParaPr>
+                    <m:oMath xmlns:m="http://schemas.openxmlformats.org/officeDocument/2006/math">
+                      <m:r>
+                        <a:rPr lang="en-US" altLang="ko-KR" b="0" i="1" smtClean="0">
+                          <a:latin typeface="Cambria Math" panose="02040503050406030204" pitchFamily="18" charset="0"/>
+                        </a:rPr>
+                        <m:t>𝜙</m:t>
+                      </m:r>
+                    </m:oMath>
+                  </m:oMathPara>
+                </a14:m>
+                <a:endParaRPr lang="ko-KR" altLang="en-US" dirty="0"/>
+              </a:p>
+            </p:txBody>
+          </p:sp>
+        </mc:Choice>
+        <mc:Fallback>
+          <p:sp>
+            <p:nvSpPr>
+              <p:cNvPr id="106" name="TextBox 105">
+                <a:extLst>
+                  <a:ext uri="{FF2B5EF4-FFF2-40B4-BE49-F238E27FC236}">
+                    <a16:creationId xmlns:a16="http://schemas.microsoft.com/office/drawing/2014/main" id="{655E1765-E82D-4985-840E-9841E3D84E74}"/>
+                  </a:ext>
+                </a:extLst>
+              </p:cNvPr>
+              <p:cNvSpPr txBox="1">
+                <a:spLocks noRot="1" noChangeAspect="1" noMove="1" noResize="1" noEditPoints="1" noAdjustHandles="1" noChangeArrowheads="1" noChangeShapeType="1" noTextEdit="1"/>
+              </p:cNvSpPr>
+              <p:nvPr/>
+            </p:nvSpPr>
+            <p:spPr>
+              <a:xfrm>
+                <a:off x="6078330" y="4792945"/>
+                <a:ext cx="376989" cy="369332"/>
+              </a:xfrm>
+              <a:prstGeom prst="rect">
+                <a:avLst/>
+              </a:prstGeom>
+              <a:blipFill>
+                <a:blip r:embed="rId31"/>
+                <a:stretch>
+                  <a:fillRect b="-14754"/>
+                </a:stretch>
+              </a:blipFill>
+            </p:spPr>
+            <p:txBody>
+              <a:bodyPr/>
+              <a:lstStyle/>
+              <a:p>
+                <a:r>
+                  <a:rPr lang="ko-KR" altLang="en-US">
+                    <a:noFill/>
+                  </a:rPr>
+                  <a:t> </a:t>
+                </a:r>
+              </a:p>
+            </p:txBody>
+          </p:sp>
+        </mc:Fallback>
+      </mc:AlternateContent>
+      <p:cxnSp>
+        <p:nvCxnSpPr>
+          <p:cNvPr id="107" name="연결선: 꺾임 42">
+            <a:extLst>
+              <a:ext uri="{FF2B5EF4-FFF2-40B4-BE49-F238E27FC236}">
+                <a16:creationId xmlns:a16="http://schemas.microsoft.com/office/drawing/2014/main" id="{B56C95E9-6892-4372-A096-480DF4D96893}"/>
+              </a:ext>
+            </a:extLst>
+          </p:cNvPr>
+          <p:cNvCxnSpPr>
+            <a:cxnSpLocks/>
+            <a:stCxn id="109" idx="6"/>
+            <a:endCxn id="99" idx="6"/>
+          </p:cNvCxnSpPr>
+          <p:nvPr/>
+        </p:nvCxnSpPr>
+        <p:spPr>
+          <a:xfrm>
+            <a:off x="6218746" y="4079733"/>
+            <a:ext cx="509463" cy="1942991"/>
+          </a:xfrm>
+          <a:prstGeom prst="curvedConnector3">
+            <a:avLst>
+              <a:gd name="adj1" fmla="val 144871"/>
+            </a:avLst>
+          </a:prstGeom>
+          <a:ln w="38100">
+            <a:solidFill>
+              <a:srgbClr val="002060"/>
+            </a:solidFill>
+            <a:prstDash val="dash"/>
+            <a:tailEnd type="triangle"/>
+          </a:ln>
+        </p:spPr>
+        <p:style>
+          <a:lnRef idx="1">
+            <a:schemeClr val="accent1"/>
+          </a:lnRef>
+          <a:fillRef idx="0">
+            <a:schemeClr val="accent1"/>
+          </a:fillRef>
+          <a:effectRef idx="0">
+            <a:schemeClr val="accent1"/>
+          </a:effectRef>
+          <a:fontRef idx="minor">
+            <a:schemeClr val="tx1"/>
+          </a:fontRef>
+        </p:style>
+      </p:cxnSp>
+      <mc:AlternateContent xmlns:mc="http://schemas.openxmlformats.org/markup-compatibility/2006">
+        <mc:Choice xmlns:a14="http://schemas.microsoft.com/office/drawing/2010/main" Requires="a14">
+          <p:sp>
+            <p:nvSpPr>
+              <p:cNvPr id="108" name="TextBox 107">
+                <a:extLst>
+                  <a:ext uri="{FF2B5EF4-FFF2-40B4-BE49-F238E27FC236}">
+                    <a16:creationId xmlns:a16="http://schemas.microsoft.com/office/drawing/2014/main" id="{CAA2939F-1358-4B33-92B6-0303847966C1}"/>
+                  </a:ext>
+                </a:extLst>
+              </p:cNvPr>
+              <p:cNvSpPr txBox="1"/>
+              <p:nvPr/>
+            </p:nvSpPr>
+            <p:spPr>
+              <a:xfrm>
+                <a:off x="5040759" y="6118472"/>
+                <a:ext cx="376989" cy="369332"/>
+              </a:xfrm>
+              <a:prstGeom prst="rect">
+                <a:avLst/>
+              </a:prstGeom>
+              <a:noFill/>
+            </p:spPr>
+            <p:txBody>
+              <a:bodyPr wrap="square" rtlCol="0">
+                <a:spAutoFit/>
+              </a:bodyPr>
+              <a:lstStyle/>
+              <a:p>
+                <a:pPr/>
+                <a14:m>
+                  <m:oMathPara xmlns:m="http://schemas.openxmlformats.org/officeDocument/2006/math">
+                    <m:oMathParaPr>
+                      <m:jc m:val="centerGroup"/>
+                    </m:oMathParaPr>
+                    <m:oMath xmlns:m="http://schemas.openxmlformats.org/officeDocument/2006/math">
+                      <m:r>
+                        <a:rPr lang="en-US" altLang="ko-KR" b="0" i="1" smtClean="0">
+                          <a:latin typeface="Cambria Math" panose="02040503050406030204" pitchFamily="18" charset="0"/>
+                        </a:rPr>
+                        <m:t>𝜃</m:t>
+                      </m:r>
+                    </m:oMath>
+                  </m:oMathPara>
+                </a14:m>
+                <a:endParaRPr lang="ko-KR" altLang="en-US" dirty="0"/>
+              </a:p>
+            </p:txBody>
+          </p:sp>
+        </mc:Choice>
+        <mc:Fallback>
+          <p:sp>
+            <p:nvSpPr>
+              <p:cNvPr id="108" name="TextBox 107">
+                <a:extLst>
+                  <a:ext uri="{FF2B5EF4-FFF2-40B4-BE49-F238E27FC236}">
+                    <a16:creationId xmlns:a16="http://schemas.microsoft.com/office/drawing/2014/main" id="{CAA2939F-1358-4B33-92B6-0303847966C1}"/>
+                  </a:ext>
+                </a:extLst>
+              </p:cNvPr>
+              <p:cNvSpPr txBox="1">
+                <a:spLocks noRot="1" noChangeAspect="1" noMove="1" noResize="1" noEditPoints="1" noAdjustHandles="1" noChangeArrowheads="1" noChangeShapeType="1" noTextEdit="1"/>
+              </p:cNvSpPr>
+              <p:nvPr/>
+            </p:nvSpPr>
+            <p:spPr>
+              <a:xfrm>
+                <a:off x="5040759" y="6118472"/>
+                <a:ext cx="376989" cy="369332"/>
+              </a:xfrm>
+              <a:prstGeom prst="rect">
+                <a:avLst/>
+              </a:prstGeom>
+              <a:blipFill>
+                <a:blip r:embed="rId32"/>
+                <a:stretch>
+                  <a:fillRect/>
+                </a:stretch>
+              </a:blipFill>
+            </p:spPr>
+            <p:txBody>
+              <a:bodyPr/>
+              <a:lstStyle/>
+              <a:p>
+                <a:r>
+                  <a:rPr lang="ko-KR" altLang="en-US">
+                    <a:noFill/>
+                  </a:rPr>
+                  <a:t> </a:t>
+                </a:r>
+              </a:p>
+            </p:txBody>
+          </p:sp>
+        </mc:Fallback>
+      </mc:AlternateContent>
+      <mc:AlternateContent xmlns:mc="http://schemas.openxmlformats.org/markup-compatibility/2006">
+        <mc:Choice xmlns:a14="http://schemas.microsoft.com/office/drawing/2010/main" Requires="a14">
+          <p:sp>
+            <p:nvSpPr>
+              <p:cNvPr id="109" name="타원 108">
+                <a:extLst>
+                  <a:ext uri="{FF2B5EF4-FFF2-40B4-BE49-F238E27FC236}">
+                    <a16:creationId xmlns:a16="http://schemas.microsoft.com/office/drawing/2014/main" id="{0F8935CA-3BAA-4D13-88E0-0F43EC95A984}"/>
+                  </a:ext>
+                </a:extLst>
+              </p:cNvPr>
+              <p:cNvSpPr/>
+              <p:nvPr/>
+            </p:nvSpPr>
+            <p:spPr>
+              <a:xfrm>
+                <a:off x="5500991" y="3720855"/>
+                <a:ext cx="717755" cy="717755"/>
+              </a:xfrm>
+              <a:prstGeom prst="ellipse">
+                <a:avLst/>
+              </a:prstGeom>
+            </p:spPr>
+            <p:style>
+              <a:lnRef idx="2">
+                <a:schemeClr val="accent1">
+                  <a:shade val="50000"/>
+                </a:schemeClr>
+              </a:lnRef>
+              <a:fillRef idx="1">
+                <a:schemeClr val="accent1"/>
+              </a:fillRef>
+              <a:effectRef idx="0">
+                <a:schemeClr val="accent1"/>
+              </a:effectRef>
+              <a:fontRef idx="minor">
+                <a:schemeClr val="lt1"/>
+              </a:fontRef>
+            </p:style>
+            <p:txBody>
+              <a:bodyPr rtlCol="0" anchor="ctr"/>
+              <a:lstStyle/>
+              <a:p>
+                <a:pPr algn="ctr"/>
+                <a14:m>
+                  <m:oMath xmlns:m="http://schemas.openxmlformats.org/officeDocument/2006/math">
+                    <m:sSub>
+                      <m:sSubPr>
+                        <m:ctrlPr>
+                          <a:rPr lang="en-US" altLang="ko-KR" b="0" i="1" smtClean="0">
+                            <a:latin typeface="Cambria Math" panose="02040503050406030204" pitchFamily="18" charset="0"/>
+                          </a:rPr>
+                        </m:ctrlPr>
+                      </m:sSubPr>
+                      <m:e>
+                        <m:r>
+                          <a:rPr lang="en-US" altLang="ko-KR" b="0" i="1" smtClean="0">
+                            <a:latin typeface="Cambria Math" panose="02040503050406030204" pitchFamily="18" charset="0"/>
+                          </a:rPr>
+                          <m:t>𝑍</m:t>
+                        </m:r>
+                      </m:e>
+                      <m:sub>
+                        <m:r>
+                          <a:rPr lang="en-US" altLang="ko-KR" b="0" i="1" smtClean="0">
+                            <a:latin typeface="Cambria Math" panose="02040503050406030204" pitchFamily="18" charset="0"/>
+                          </a:rPr>
+                          <m:t>𝑝𝑜𝑠𝑡</m:t>
+                        </m:r>
+                      </m:sub>
+                    </m:sSub>
+                  </m:oMath>
+                </a14:m>
+                <a:r>
+                  <a:rPr lang="ko-KR" altLang="en-US" dirty="0"/>
+                  <a:t> </a:t>
+                </a:r>
+              </a:p>
+            </p:txBody>
+          </p:sp>
+        </mc:Choice>
+        <mc:Fallback>
+          <p:sp>
+            <p:nvSpPr>
+              <p:cNvPr id="109" name="타원 108">
+                <a:extLst>
+                  <a:ext uri="{FF2B5EF4-FFF2-40B4-BE49-F238E27FC236}">
+                    <a16:creationId xmlns:a16="http://schemas.microsoft.com/office/drawing/2014/main" id="{0F8935CA-3BAA-4D13-88E0-0F43EC95A984}"/>
+                  </a:ext>
+                </a:extLst>
+              </p:cNvPr>
+              <p:cNvSpPr>
+                <a:spLocks noRot="1" noChangeAspect="1" noMove="1" noResize="1" noEditPoints="1" noAdjustHandles="1" noChangeArrowheads="1" noChangeShapeType="1" noTextEdit="1"/>
+              </p:cNvSpPr>
+              <p:nvPr/>
+            </p:nvSpPr>
+            <p:spPr>
+              <a:xfrm>
+                <a:off x="5500991" y="3720855"/>
+                <a:ext cx="717755" cy="717755"/>
+              </a:xfrm>
+              <a:prstGeom prst="ellipse">
+                <a:avLst/>
+              </a:prstGeom>
+              <a:blipFill>
+                <a:blip r:embed="rId33"/>
+                <a:stretch>
+                  <a:fillRect/>
+                </a:stretch>
+              </a:blipFill>
+            </p:spPr>
+            <p:txBody>
+              <a:bodyPr/>
+              <a:lstStyle/>
+              <a:p>
+                <a:r>
+                  <a:rPr lang="ko-KR" altLang="en-US">
+                    <a:noFill/>
+                  </a:rPr>
+                  <a:t> </a:t>
+                </a:r>
+              </a:p>
+            </p:txBody>
+          </p:sp>
+        </mc:Fallback>
+      </mc:AlternateContent>
+      <p:cxnSp>
+        <p:nvCxnSpPr>
+          <p:cNvPr id="110" name="직선 화살표 연결선 109">
+            <a:extLst>
+              <a:ext uri="{FF2B5EF4-FFF2-40B4-BE49-F238E27FC236}">
+                <a16:creationId xmlns:a16="http://schemas.microsoft.com/office/drawing/2014/main" id="{3FB629AB-66CE-46AC-BB01-C28395A88662}"/>
+              </a:ext>
+            </a:extLst>
+          </p:cNvPr>
+          <p:cNvCxnSpPr>
+            <a:cxnSpLocks/>
+            <a:stCxn id="101" idx="7"/>
+            <a:endCxn id="109" idx="4"/>
+          </p:cNvCxnSpPr>
+          <p:nvPr/>
+        </p:nvCxnSpPr>
+        <p:spPr>
+          <a:xfrm flipV="1">
+            <a:off x="4596862" y="4438610"/>
+            <a:ext cx="1263007" cy="769138"/>
+          </a:xfrm>
+          <a:prstGeom prst="straightConnector1">
+            <a:avLst/>
+          </a:prstGeom>
+          <a:ln w="38100">
+            <a:solidFill>
+              <a:srgbClr val="002060"/>
+            </a:solidFill>
+            <a:tailEnd type="triangle"/>
+          </a:ln>
+        </p:spPr>
+        <p:style>
+          <a:lnRef idx="1">
+            <a:schemeClr val="accent1"/>
+          </a:lnRef>
+          <a:fillRef idx="0">
+            <a:schemeClr val="accent1"/>
+          </a:fillRef>
+          <a:effectRef idx="0">
+            <a:schemeClr val="accent1"/>
+          </a:effectRef>
+          <a:fontRef idx="minor">
+            <a:schemeClr val="tx1"/>
+          </a:fontRef>
+        </p:style>
+      </p:cxnSp>
+      <p:cxnSp>
+        <p:nvCxnSpPr>
+          <p:cNvPr id="111" name="직선 화살표 연결선 110">
+            <a:extLst>
+              <a:ext uri="{FF2B5EF4-FFF2-40B4-BE49-F238E27FC236}">
+                <a16:creationId xmlns:a16="http://schemas.microsoft.com/office/drawing/2014/main" id="{48637B4D-0DB4-4131-9A9B-369965F5E63E}"/>
+              </a:ext>
+            </a:extLst>
+          </p:cNvPr>
+          <p:cNvCxnSpPr>
+            <a:cxnSpLocks/>
+            <a:stCxn id="99" idx="0"/>
+            <a:endCxn id="109" idx="4"/>
+          </p:cNvCxnSpPr>
+          <p:nvPr/>
+        </p:nvCxnSpPr>
+        <p:spPr>
+          <a:xfrm flipH="1" flipV="1">
+            <a:off x="5859869" y="4438610"/>
+            <a:ext cx="509463" cy="1225236"/>
+          </a:xfrm>
+          <a:prstGeom prst="straightConnector1">
+            <a:avLst/>
+          </a:prstGeom>
+          <a:ln w="38100">
+            <a:solidFill>
+              <a:srgbClr val="002060"/>
+            </a:solidFill>
+            <a:tailEnd type="triangle"/>
+          </a:ln>
+        </p:spPr>
+        <p:style>
+          <a:lnRef idx="1">
+            <a:schemeClr val="accent1"/>
+          </a:lnRef>
+          <a:fillRef idx="0">
+            <a:schemeClr val="accent1"/>
+          </a:fillRef>
+          <a:effectRef idx="0">
+            <a:schemeClr val="accent1"/>
+          </a:effectRef>
+          <a:fontRef idx="minor">
+            <a:schemeClr val="tx1"/>
+          </a:fontRef>
+        </p:style>
+      </p:cxnSp>
+      <p:cxnSp>
+        <p:nvCxnSpPr>
+          <p:cNvPr id="123" name="연결선: 꺾임 42">
+            <a:extLst>
+              <a:ext uri="{FF2B5EF4-FFF2-40B4-BE49-F238E27FC236}">
+                <a16:creationId xmlns:a16="http://schemas.microsoft.com/office/drawing/2014/main" id="{0CA1ED60-CC1D-4F99-8147-EAC387692254}"/>
+              </a:ext>
+            </a:extLst>
+          </p:cNvPr>
+          <p:cNvCxnSpPr>
+            <a:cxnSpLocks/>
+          </p:cNvCxnSpPr>
+          <p:nvPr/>
+        </p:nvCxnSpPr>
+        <p:spPr>
+          <a:xfrm rot="16200000" flipH="1">
+            <a:off x="4668421" y="3962937"/>
+            <a:ext cx="2463274" cy="1656303"/>
+          </a:xfrm>
+          <a:prstGeom prst="curvedConnector4">
+            <a:avLst>
+              <a:gd name="adj1" fmla="val -9280"/>
+              <a:gd name="adj2" fmla="val 145280"/>
+            </a:avLst>
+          </a:prstGeom>
+          <a:ln w="38100">
+            <a:solidFill>
+              <a:srgbClr val="FF0000"/>
+            </a:solidFill>
+            <a:prstDash val="dash"/>
+            <a:tailEnd type="triangle"/>
+          </a:ln>
+        </p:spPr>
+        <p:style>
+          <a:lnRef idx="1">
+            <a:schemeClr val="accent1"/>
+          </a:lnRef>
+          <a:fillRef idx="0">
+            <a:schemeClr val="accent1"/>
+          </a:fillRef>
+          <a:effectRef idx="0">
+            <a:schemeClr val="accent1"/>
+          </a:effectRef>
+          <a:fontRef idx="minor">
+            <a:schemeClr val="tx1"/>
+          </a:fontRef>
+        </p:style>
+      </p:cxnSp>
+      <p:cxnSp>
+        <p:nvCxnSpPr>
+          <p:cNvPr id="126" name="연결선: 꺾임 42">
+            <a:extLst>
+              <a:ext uri="{FF2B5EF4-FFF2-40B4-BE49-F238E27FC236}">
+                <a16:creationId xmlns:a16="http://schemas.microsoft.com/office/drawing/2014/main" id="{9E0D1F14-8B69-4A83-A8B2-12BF4E6B2CB9}"/>
+              </a:ext>
+            </a:extLst>
+          </p:cNvPr>
+          <p:cNvCxnSpPr>
+            <a:cxnSpLocks/>
+            <a:stCxn id="101" idx="4"/>
+            <a:endCxn id="99" idx="2"/>
+          </p:cNvCxnSpPr>
+          <p:nvPr/>
+        </p:nvCxnSpPr>
+        <p:spPr>
+          <a:xfrm rot="16200000" flipH="1">
+            <a:off x="5075609" y="5087879"/>
+            <a:ext cx="202334" cy="1667356"/>
+          </a:xfrm>
+          <a:prstGeom prst="curvedConnector2">
+            <a:avLst/>
+          </a:prstGeom>
+          <a:ln w="38100">
+            <a:solidFill>
+              <a:srgbClr val="FF0000"/>
+            </a:solidFill>
+            <a:prstDash val="dash"/>
+            <a:tailEnd type="triangle"/>
+          </a:ln>
+        </p:spPr>
+        <p:style>
+          <a:lnRef idx="1">
+            <a:schemeClr val="accent1"/>
+          </a:lnRef>
+          <a:fillRef idx="0">
+            <a:schemeClr val="accent1"/>
+          </a:fillRef>
+          <a:effectRef idx="0">
+            <a:schemeClr val="accent1"/>
+          </a:effectRef>
+          <a:fontRef idx="minor">
+            <a:schemeClr val="tx1"/>
+          </a:fontRef>
+        </p:style>
+      </p:cxnSp>
+      <p:cxnSp>
+        <p:nvCxnSpPr>
+          <p:cNvPr id="136" name="직선 화살표 연결선 135">
+            <a:extLst>
+              <a:ext uri="{FF2B5EF4-FFF2-40B4-BE49-F238E27FC236}">
+                <a16:creationId xmlns:a16="http://schemas.microsoft.com/office/drawing/2014/main" id="{CD8CC2DB-4375-481F-91FE-1A3575F2416A}"/>
+              </a:ext>
+            </a:extLst>
+          </p:cNvPr>
+          <p:cNvCxnSpPr>
+            <a:cxnSpLocks/>
+          </p:cNvCxnSpPr>
+          <p:nvPr/>
+        </p:nvCxnSpPr>
+        <p:spPr>
+          <a:xfrm>
+            <a:off x="10043527" y="5721604"/>
+            <a:ext cx="654489" cy="0"/>
+          </a:xfrm>
+          <a:prstGeom prst="straightConnector1">
+            <a:avLst/>
+          </a:prstGeom>
+          <a:ln w="38100">
+            <a:solidFill>
+              <a:srgbClr val="FF0000"/>
+            </a:solidFill>
+            <a:prstDash val="sysDash"/>
+            <a:tailEnd type="triangle"/>
+          </a:ln>
+        </p:spPr>
+        <p:style>
+          <a:lnRef idx="1">
+            <a:schemeClr val="accent1"/>
+          </a:lnRef>
+          <a:fillRef idx="0">
+            <a:schemeClr val="accent1"/>
+          </a:fillRef>
+          <a:effectRef idx="0">
+            <a:schemeClr val="accent1"/>
+          </a:effectRef>
+          <a:fontRef idx="minor">
+            <a:schemeClr val="tx1"/>
+          </a:fontRef>
+        </p:style>
+      </p:cxnSp>
+      <p:sp>
+        <p:nvSpPr>
+          <p:cNvPr id="137" name="TextBox 136">
+            <a:extLst>
+              <a:ext uri="{FF2B5EF4-FFF2-40B4-BE49-F238E27FC236}">
+                <a16:creationId xmlns:a16="http://schemas.microsoft.com/office/drawing/2014/main" id="{2C9F1F76-8441-4F22-907F-7BADB4AE9779}"/>
+              </a:ext>
+            </a:extLst>
+          </p:cNvPr>
+          <p:cNvSpPr txBox="1"/>
+          <p:nvPr/>
+        </p:nvSpPr>
+        <p:spPr>
+          <a:xfrm>
+            <a:off x="10688274" y="5567716"/>
+            <a:ext cx="998102" cy="307777"/>
+          </a:xfrm>
+          <a:prstGeom prst="rect">
+            <a:avLst/>
+          </a:prstGeom>
+          <a:noFill/>
+        </p:spPr>
+        <p:txBody>
+          <a:bodyPr wrap="square" rtlCol="0">
+            <a:spAutoFit/>
+          </a:bodyPr>
+          <a:lstStyle/>
+          <a:p>
+            <a:r>
+              <a:rPr lang="en-US" altLang="ko-KR" sz="1400" b="1" dirty="0"/>
+              <a:t>Inference</a:t>
+            </a:r>
+            <a:endParaRPr lang="ko-KR" altLang="en-US" sz="1400" b="1" dirty="0"/>
+          </a:p>
+        </p:txBody>
+      </p:sp>
+      <mc:AlternateContent xmlns:mc="http://schemas.openxmlformats.org/markup-compatibility/2006">
+        <mc:Choice xmlns:a14="http://schemas.microsoft.com/office/drawing/2010/main" Requires="a14">
+          <p:sp>
+            <p:nvSpPr>
+              <p:cNvPr id="146" name="타원 145">
+                <a:extLst>
+                  <a:ext uri="{FF2B5EF4-FFF2-40B4-BE49-F238E27FC236}">
+                    <a16:creationId xmlns:a16="http://schemas.microsoft.com/office/drawing/2014/main" id="{699D7A2D-BD46-4354-9065-A54178B4F350}"/>
+                  </a:ext>
+                </a:extLst>
+              </p:cNvPr>
+              <p:cNvSpPr/>
+              <p:nvPr/>
+            </p:nvSpPr>
+            <p:spPr>
+              <a:xfrm>
+                <a:off x="5755722" y="2525314"/>
+                <a:ext cx="717755" cy="717755"/>
+              </a:xfrm>
+              <a:prstGeom prst="ellipse">
+                <a:avLst/>
+              </a:prstGeom>
+            </p:spPr>
+            <p:style>
+              <a:lnRef idx="2">
+                <a:schemeClr val="accent1">
+                  <a:shade val="50000"/>
+                </a:schemeClr>
+              </a:lnRef>
+              <a:fillRef idx="1">
+                <a:schemeClr val="accent1"/>
+              </a:fillRef>
+              <a:effectRef idx="0">
+                <a:schemeClr val="accent1"/>
+              </a:effectRef>
+              <a:fontRef idx="minor">
+                <a:schemeClr val="lt1"/>
+              </a:fontRef>
+            </p:style>
+            <p:txBody>
+              <a:bodyPr rtlCol="0" anchor="ctr"/>
+              <a:lstStyle/>
+              <a:p>
+                <a:pPr algn="ctr"/>
+                <a14:m>
+                  <m:oMath xmlns:m="http://schemas.openxmlformats.org/officeDocument/2006/math">
+                    <m:r>
+                      <a:rPr lang="en-US" altLang="ko-KR" sz="1200" b="0" i="1" smtClean="0">
+                        <a:latin typeface="Cambria Math" panose="02040503050406030204" pitchFamily="18" charset="0"/>
+                      </a:rPr>
+                      <m:t>𝑁</m:t>
+                    </m:r>
+                    <m:r>
+                      <a:rPr lang="en-US" altLang="ko-KR" sz="1200" b="0" i="1" smtClean="0">
+                        <a:latin typeface="Cambria Math" panose="02040503050406030204" pitchFamily="18" charset="0"/>
+                      </a:rPr>
+                      <m:t>(0,1)</m:t>
+                    </m:r>
+                  </m:oMath>
+                </a14:m>
+                <a:r>
+                  <a:rPr lang="ko-KR" altLang="en-US" sz="1200" dirty="0"/>
+                  <a:t> </a:t>
+                </a:r>
+              </a:p>
+            </p:txBody>
+          </p:sp>
+        </mc:Choice>
+        <mc:Fallback>
+          <p:sp>
+            <p:nvSpPr>
+              <p:cNvPr id="146" name="타원 145">
+                <a:extLst>
+                  <a:ext uri="{FF2B5EF4-FFF2-40B4-BE49-F238E27FC236}">
+                    <a16:creationId xmlns:a16="http://schemas.microsoft.com/office/drawing/2014/main" id="{699D7A2D-BD46-4354-9065-A54178B4F350}"/>
+                  </a:ext>
+                </a:extLst>
+              </p:cNvPr>
+              <p:cNvSpPr>
+                <a:spLocks noRot="1" noChangeAspect="1" noMove="1" noResize="1" noEditPoints="1" noAdjustHandles="1" noChangeArrowheads="1" noChangeShapeType="1" noTextEdit="1"/>
+              </p:cNvSpPr>
+              <p:nvPr/>
+            </p:nvSpPr>
+            <p:spPr>
+              <a:xfrm>
+                <a:off x="5755722" y="2525314"/>
+                <a:ext cx="717755" cy="717755"/>
+              </a:xfrm>
+              <a:prstGeom prst="ellipse">
+                <a:avLst/>
+              </a:prstGeom>
+              <a:blipFill>
+                <a:blip r:embed="rId34"/>
+                <a:stretch>
+                  <a:fillRect/>
+                </a:stretch>
+              </a:blipFill>
+            </p:spPr>
+            <p:txBody>
+              <a:bodyPr/>
+              <a:lstStyle/>
+              <a:p>
+                <a:r>
+                  <a:rPr lang="ko-KR" altLang="en-US">
+                    <a:noFill/>
+                  </a:rPr>
+                  <a:t> </a:t>
+                </a:r>
+              </a:p>
+            </p:txBody>
+          </p:sp>
+        </mc:Fallback>
+      </mc:AlternateContent>
+    </p:spTree>
+    <p:extLst>
+      <p:ext uri="{BB962C8B-B14F-4D97-AF65-F5344CB8AC3E}">
+        <p14:creationId xmlns:p14="http://schemas.microsoft.com/office/powerpoint/2010/main" val="4215406497"/>
       </p:ext>
     </p:extLst>
   </p:cSld>
